--- a/Scheme_Interpreter_2.pptx
+++ b/Scheme_Interpreter_2.pptx
@@ -4231,7 +4231,7 @@
                 </a:solidFill>
                 <a:latin typeface="Calibri"/>
               </a:rPr>
-              <a:t>Omzetting van tekst naar een boomstructuur via parser</a:t>
+              <a:t>Parser: Omzetting van tekst naar een boomstructuur</a:t>
             </a:r>
             <a:endParaRPr/>
           </a:p>
@@ -4250,8 +4250,54 @@
                 </a:solidFill>
                 <a:latin typeface="Calibri"/>
               </a:rPr>
-              <a:t>Voorbeeld: (square 5)</a:t>
-            </a:r>
+              <a:t>Eerst omzetten naar lijst van tokens </a:t>
+            </a:r>
+            <a:endParaRPr/>
+          </a:p>
+          <a:p>
+            <a:pPr>
+              <a:lnSpc>
+                <a:spcPct val="100000"/>
+              </a:lnSpc>
+              <a:buFont typeface="Arial"/>
+              <a:buChar char="•"/>
+            </a:pPr>
+            <a:r>
+              <a:rPr lang="en-US" sz="3200">
+                <a:solidFill>
+                  <a:srgbClr val="000000"/>
+                </a:solidFill>
+                <a:latin typeface="Calibri"/>
+              </a:rPr>
+              <a:t>Voorbeeld: </a:t>
+            </a:r>
+            <a:endParaRPr/>
+          </a:p>
+          <a:p>
+            <a:pPr>
+              <a:lnSpc>
+                <a:spcPct val="100000"/>
+              </a:lnSpc>
+              <a:buFont typeface="Arial"/>
+              <a:buChar char="•"/>
+            </a:pPr>
+            <a:r>
+              <a:rPr lang="en-US" sz="3200">
+                <a:solidFill>
+                  <a:srgbClr val="000000"/>
+                </a:solidFill>
+                <a:latin typeface="Calibri"/>
+              </a:rPr>
+              <a:t>(square 5) → [ '(' , 'square' , '5' ] </a:t>
+            </a:r>
+            <a:endParaRPr/>
+          </a:p>
+          <a:p>
+            <a:pPr>
+              <a:lnSpc>
+                <a:spcPct val="100000"/>
+              </a:lnSpc>
+            </a:pPr>
             <a:endParaRPr/>
           </a:p>
         </p:txBody>
@@ -4417,6 +4463,48 @@
             </a:r>
             <a:endParaRPr/>
           </a:p>
+          <a:p>
+            <a:pPr>
+              <a:lnSpc>
+                <a:spcPct val="100000"/>
+              </a:lnSpc>
+            </a:pPr>
+            <a:endParaRPr/>
+          </a:p>
+          <a:p>
+            <a:pPr>
+              <a:lnSpc>
+                <a:spcPct val="100000"/>
+              </a:lnSpc>
+            </a:pPr>
+            <a:r>
+              <a:rPr lang="en-US" sz="3200">
+                <a:solidFill>
+                  <a:srgbClr val="000000"/>
+                </a:solidFill>
+                <a:latin typeface="Calibri"/>
+              </a:rPr>
+              <a:t>Vereenvoudiging:</a:t>
+            </a:r>
+            <a:endParaRPr/>
+          </a:p>
+          <a:p>
+            <a:pPr>
+              <a:lnSpc>
+                <a:spcPct val="100000"/>
+              </a:lnSpc>
+            </a:pPr>
+            <a:r>
+              <a:rPr lang="en-US" sz="3200">
+                <a:solidFill>
+                  <a:srgbClr val="000000"/>
+                </a:solidFill>
+                <a:latin typeface="Calibri"/>
+              </a:rPr>
+              <a:t>test123+  →  aaa000_</a:t>
+            </a:r>
+            <a:endParaRPr/>
+          </a:p>
         </p:txBody>
       </p:sp>
     </p:spTree>
@@ -4508,43 +4596,62 @@
           </a:p>
         </p:txBody>
       </p:sp>
-      <p:sp>
-        <p:nvSpPr>
-          <p:cNvPr id="89" name="CustomShape 2"/>
-          <p:cNvSpPr/>
+      <p:pic>
+        <p:nvPicPr>
+          <p:cNvPr descr="" id="89" name=""/>
+          <p:cNvPicPr/>
           <p:nvPr/>
-        </p:nvSpPr>
-        <p:spPr>
-          <a:xfrm>
-            <a:off x="457200" y="1600200"/>
-            <a:ext cx="8228520" cy="4524840"/>
-          </a:xfrm>
-          <a:prstGeom prst="rect">
-            <a:avLst/>
-          </a:prstGeom>
-          <a:noFill/>
+        </p:nvPicPr>
+        <p:blipFill>
+          <a:blip r:embed="rId1"/>
+          <a:stretch>
+            <a:fillRect/>
+          </a:stretch>
+        </p:blipFill>
+        <p:spPr>
+          <a:xfrm>
+            <a:off x="2651760" y="2377440"/>
+            <a:ext cx="3749040" cy="3840480"/>
+          </a:xfrm>
+          <a:prstGeom prst="rect">
+            <a:avLst/>
+          </a:prstGeom>
           <a:ln>
             <a:noFill/>
           </a:ln>
         </p:spPr>
-        <p:txBody>
-          <a:bodyPr bIns="45000" lIns="90000" rIns="90000" tIns="45000"/>
+      </p:pic>
+      <p:sp>
+        <p:nvSpPr>
+          <p:cNvPr id="90" name="TextShape 2"/>
+          <p:cNvSpPr txBox="1"/>
+          <p:nvPr/>
+        </p:nvSpPr>
+        <p:spPr>
+          <a:xfrm>
+            <a:off x="640080" y="1855080"/>
+            <a:ext cx="3420720" cy="979560"/>
+          </a:xfrm>
+          <a:prstGeom prst="rect">
+            <a:avLst/>
+          </a:prstGeom>
+        </p:spPr>
+        <p:txBody>
+          <a:bodyPr bIns="45000" lIns="90000" rIns="90000" tIns="45000" wrap="none"/>
           <a:p>
             <a:pPr>
               <a:lnSpc>
                 <a:spcPct val="100000"/>
               </a:lnSpc>
-              <a:buFont typeface="Arial"/>
-              <a:buChar char="•"/>
-            </a:pPr>
-            <a:r>
-              <a:rPr lang="en-US" sz="3200">
-                <a:solidFill>
-                  <a:srgbClr val="000000"/>
-                </a:solidFill>
-                <a:latin typeface="Calibri"/>
-              </a:rPr>
-              <a:t>Uitgewerkt voorbeeld (+ 3 4) of (define x 5)</a:t>
+            </a:pPr>
+            <a:r>
+              <a:rPr lang="en-US">
+                <a:solidFill>
+                  <a:srgbClr val="000000"/>
+                </a:solidFill>
+                <a:latin typeface="Calibri"/>
+              </a:rPr>
+              <a:t>(+ (square 4) 3)</a:t>
             </a:r>
             <a:endParaRPr/>
           </a:p>
@@ -4601,7 +4708,7 @@
       </p:grpSpPr>
       <p:sp>
         <p:nvSpPr>
-          <p:cNvPr id="90" name="CustomShape 1"/>
+          <p:cNvPr id="91" name="CustomShape 1"/>
           <p:cNvSpPr/>
           <p:nvPr/>
         </p:nvSpPr>
@@ -4641,7 +4748,7 @@
       </p:sp>
       <p:sp>
         <p:nvSpPr>
-          <p:cNvPr id="91" name="CustomShape 2"/>
+          <p:cNvPr id="92" name="CustomShape 2"/>
           <p:cNvSpPr/>
           <p:nvPr/>
         </p:nvSpPr>

--- a/Scheme_Interpreter_2.pptx
+++ b/Scheme_Interpreter_2.pptx
@@ -22,7 +22,7 @@
 </file>
 
 <file path=ppt/slideLayouts/slideLayout1.xml><?xml version="1.0" encoding="utf-8"?>
-<p:sldLayout xmlns:a="http://schemas.openxmlformats.org/drawingml/2006/main" xmlns:p="http://schemas.openxmlformats.org/presentationml/2006/main" xmlns:r="http://schemas.openxmlformats.org/officeDocument/2006/relationships" preserve="1" type="blank">
+<p:sldLayout xmlns:a="http://schemas.openxmlformats.org/drawingml/2006/main" xmlns:p="http://schemas.openxmlformats.org/presentationml/2006/main" xmlns:r="http://schemas.openxmlformats.org/officeDocument/2006/relationships" type="blank" preserve="1">
   <p:cSld name="Blank Slide">
     <p:spTree>
       <p:nvGrpSpPr>
@@ -44,7 +44,7 @@
 </file>
 
 <file path=ppt/slideLayouts/slideLayout10.xml><?xml version="1.0" encoding="utf-8"?>
-<p:sldLayout xmlns:a="http://schemas.openxmlformats.org/drawingml/2006/main" xmlns:p="http://schemas.openxmlformats.org/presentationml/2006/main" xmlns:r="http://schemas.openxmlformats.org/officeDocument/2006/relationships" preserve="1" type="objOverTx">
+<p:sldLayout xmlns:a="http://schemas.openxmlformats.org/drawingml/2006/main" xmlns:p="http://schemas.openxmlformats.org/presentationml/2006/main" xmlns:r="http://schemas.openxmlformats.org/officeDocument/2006/relationships" type="objOverTx" preserve="1">
   <p:cSld name="Title, Content over Content">
     <p:spTree>
       <p:nvGrpSpPr>
@@ -80,7 +80,7 @@
           </a:prstGeom>
         </p:spPr>
         <p:txBody>
-          <a:bodyPr anchor="ctr" bIns="0" lIns="0" rIns="0" tIns="0" wrap="none"/>
+          <a:bodyPr wrap="none" lIns="0" rIns="0" tIns="0" bIns="0" anchor="ctr"/>
           <a:p>
             <a:pPr algn="ctr"/>
             <a:endParaRPr/>
@@ -107,7 +107,7 @@
           </a:prstGeom>
         </p:spPr>
         <p:txBody>
-          <a:bodyPr bIns="0" lIns="0" rIns="0" tIns="0" wrap="none"/>
+          <a:bodyPr wrap="none" lIns="0" rIns="0" tIns="0" bIns="0"/>
           <a:p>
             <a:endParaRPr/>
           </a:p>
@@ -125,7 +125,7 @@
         </p:nvSpPr>
         <p:spPr>
           <a:xfrm>
-            <a:off x="457200" y="3681720"/>
+            <a:off x="457200" y="3682080"/>
             <a:ext cx="8229240" cy="1896840"/>
           </a:xfrm>
           <a:prstGeom prst="rect">
@@ -133,7 +133,7 @@
           </a:prstGeom>
         </p:spPr>
         <p:txBody>
-          <a:bodyPr bIns="0" lIns="0" rIns="0" tIns="0" wrap="none"/>
+          <a:bodyPr wrap="none" lIns="0" rIns="0" tIns="0" bIns="0"/>
           <a:p>
             <a:endParaRPr/>
           </a:p>
@@ -145,7 +145,7 @@
 </file>
 
 <file path=ppt/slideLayouts/slideLayout11.xml><?xml version="1.0" encoding="utf-8"?>
-<p:sldLayout xmlns:a="http://schemas.openxmlformats.org/drawingml/2006/main" xmlns:p="http://schemas.openxmlformats.org/presentationml/2006/main" xmlns:r="http://schemas.openxmlformats.org/officeDocument/2006/relationships" preserve="1" type="fourObj">
+<p:sldLayout xmlns:a="http://schemas.openxmlformats.org/drawingml/2006/main" xmlns:p="http://schemas.openxmlformats.org/presentationml/2006/main" xmlns:r="http://schemas.openxmlformats.org/officeDocument/2006/relationships" type="fourObj" preserve="1">
   <p:cSld name="Title, 4 Content">
     <p:spTree>
       <p:nvGrpSpPr>
@@ -181,7 +181,7 @@
           </a:prstGeom>
         </p:spPr>
         <p:txBody>
-          <a:bodyPr anchor="ctr" bIns="0" lIns="0" rIns="0" tIns="0" wrap="none"/>
+          <a:bodyPr wrap="none" lIns="0" rIns="0" tIns="0" bIns="0" anchor="ctr"/>
           <a:p>
             <a:pPr algn="ctr"/>
             <a:endParaRPr/>
@@ -201,14 +201,14 @@
         <p:spPr>
           <a:xfrm>
             <a:off x="457200" y="1604520"/>
-            <a:ext cx="4015440" cy="1896840"/>
-          </a:xfrm>
-          <a:prstGeom prst="rect">
-            <a:avLst/>
-          </a:prstGeom>
-        </p:spPr>
-        <p:txBody>
-          <a:bodyPr bIns="0" lIns="0" rIns="0" tIns="0" wrap="none"/>
+            <a:ext cx="4015800" cy="1896840"/>
+          </a:xfrm>
+          <a:prstGeom prst="rect">
+            <a:avLst/>
+          </a:prstGeom>
+        </p:spPr>
+        <p:txBody>
+          <a:bodyPr wrap="none" lIns="0" rIns="0" tIns="0" bIns="0"/>
           <a:p>
             <a:endParaRPr/>
           </a:p>
@@ -226,15 +226,15 @@
         </p:nvSpPr>
         <p:spPr>
           <a:xfrm>
-            <a:off x="4673520" y="1604520"/>
-            <a:ext cx="4015440" cy="1896840"/>
-          </a:xfrm>
-          <a:prstGeom prst="rect">
-            <a:avLst/>
-          </a:prstGeom>
-        </p:spPr>
-        <p:txBody>
-          <a:bodyPr bIns="0" lIns="0" rIns="0" tIns="0" wrap="none"/>
+            <a:off x="4674240" y="1604520"/>
+            <a:ext cx="4015800" cy="1896840"/>
+          </a:xfrm>
+          <a:prstGeom prst="rect">
+            <a:avLst/>
+          </a:prstGeom>
+        </p:spPr>
+        <p:txBody>
+          <a:bodyPr wrap="none" lIns="0" rIns="0" tIns="0" bIns="0"/>
           <a:p>
             <a:endParaRPr/>
           </a:p>
@@ -252,15 +252,15 @@
         </p:nvSpPr>
         <p:spPr>
           <a:xfrm>
-            <a:off x="4673520" y="3681720"/>
-            <a:ext cx="4015440" cy="1896840"/>
-          </a:xfrm>
-          <a:prstGeom prst="rect">
-            <a:avLst/>
-          </a:prstGeom>
-        </p:spPr>
-        <p:txBody>
-          <a:bodyPr bIns="0" lIns="0" rIns="0" tIns="0" wrap="none"/>
+            <a:off x="4674240" y="3682080"/>
+            <a:ext cx="4015800" cy="1896840"/>
+          </a:xfrm>
+          <a:prstGeom prst="rect">
+            <a:avLst/>
+          </a:prstGeom>
+        </p:spPr>
+        <p:txBody>
+          <a:bodyPr wrap="none" lIns="0" rIns="0" tIns="0" bIns="0"/>
           <a:p>
             <a:endParaRPr/>
           </a:p>
@@ -278,15 +278,15 @@
         </p:nvSpPr>
         <p:spPr>
           <a:xfrm>
-            <a:off x="457200" y="3681720"/>
-            <a:ext cx="4015440" cy="1896840"/>
-          </a:xfrm>
-          <a:prstGeom prst="rect">
-            <a:avLst/>
-          </a:prstGeom>
-        </p:spPr>
-        <p:txBody>
-          <a:bodyPr bIns="0" lIns="0" rIns="0" tIns="0" wrap="none"/>
+            <a:off x="457200" y="3682080"/>
+            <a:ext cx="4015800" cy="1896840"/>
+          </a:xfrm>
+          <a:prstGeom prst="rect">
+            <a:avLst/>
+          </a:prstGeom>
+        </p:spPr>
+        <p:txBody>
+          <a:bodyPr wrap="none" lIns="0" rIns="0" tIns="0" bIns="0"/>
           <a:p>
             <a:endParaRPr/>
           </a:p>
@@ -298,7 +298,7 @@
 </file>
 
 <file path=ppt/slideLayouts/slideLayout12.xml><?xml version="1.0" encoding="utf-8"?>
-<p:sldLayout xmlns:a="http://schemas.openxmlformats.org/drawingml/2006/main" xmlns:p="http://schemas.openxmlformats.org/presentationml/2006/main" xmlns:r="http://schemas.openxmlformats.org/officeDocument/2006/relationships" preserve="1" type="blank">
+<p:sldLayout xmlns:a="http://schemas.openxmlformats.org/drawingml/2006/main" xmlns:p="http://schemas.openxmlformats.org/presentationml/2006/main" xmlns:r="http://schemas.openxmlformats.org/officeDocument/2006/relationships" type="blank" preserve="1">
   <p:cSld name="Title, 6 Content">
     <p:spTree>
       <p:nvGrpSpPr>
@@ -334,7 +334,7 @@
           </a:prstGeom>
         </p:spPr>
         <p:txBody>
-          <a:bodyPr anchor="ctr" bIns="0" lIns="0" rIns="0" tIns="0" wrap="none"/>
+          <a:bodyPr wrap="none" lIns="0" rIns="0" tIns="0" bIns="0" anchor="ctr"/>
           <a:p>
             <a:pPr algn="ctr"/>
             <a:endParaRPr/>
@@ -354,14 +354,14 @@
         <p:spPr>
           <a:xfrm>
             <a:off x="457200" y="1604520"/>
-            <a:ext cx="4015440" cy="1896840"/>
-          </a:xfrm>
-          <a:prstGeom prst="rect">
-            <a:avLst/>
-          </a:prstGeom>
-        </p:spPr>
-        <p:txBody>
-          <a:bodyPr bIns="0" lIns="0" rIns="0" tIns="0" wrap="none"/>
+            <a:ext cx="8229240" cy="3976920"/>
+          </a:xfrm>
+          <a:prstGeom prst="rect">
+            <a:avLst/>
+          </a:prstGeom>
+        </p:spPr>
+        <p:txBody>
+          <a:bodyPr wrap="none" lIns="0" rIns="0" tIns="0" bIns="0"/>
           <a:p>
             <a:endParaRPr/>
           </a:p>
@@ -379,15 +379,15 @@
         </p:nvSpPr>
         <p:spPr>
           <a:xfrm>
-            <a:off x="4673520" y="1604520"/>
-            <a:ext cx="4015440" cy="1896840"/>
-          </a:xfrm>
-          <a:prstGeom prst="rect">
-            <a:avLst/>
-          </a:prstGeom>
-        </p:spPr>
-        <p:txBody>
-          <a:bodyPr bIns="0" lIns="0" rIns="0" tIns="0" wrap="none"/>
+            <a:off x="457200" y="1604520"/>
+            <a:ext cx="8229240" cy="3976920"/>
+          </a:xfrm>
+          <a:prstGeom prst="rect">
+            <a:avLst/>
+          </a:prstGeom>
+        </p:spPr>
+        <p:txBody>
+          <a:bodyPr wrap="none" lIns="0" rIns="0" tIns="0" bIns="0"/>
           <a:p>
             <a:endParaRPr/>
           </a:p>
@@ -395,7 +395,7 @@
       </p:sp>
       <p:pic>
         <p:nvPicPr>
-          <p:cNvPr descr="" id="34" name=""/>
+          <p:cNvPr id="34" name="" descr=""/>
           <p:cNvPicPr/>
           <p:nvPr/>
         </p:nvPicPr>
@@ -407,8 +407,8 @@
         </p:blipFill>
         <p:spPr>
           <a:xfrm>
-            <a:off x="5492520" y="3681360"/>
-            <a:ext cx="2377440" cy="1896840"/>
+            <a:off x="2079360" y="1604160"/>
+            <a:ext cx="4984200" cy="3976920"/>
           </a:xfrm>
           <a:prstGeom prst="rect">
             <a:avLst/>
@@ -420,7 +420,7 @@
       </p:pic>
       <p:pic>
         <p:nvPicPr>
-          <p:cNvPr descr="" id="35" name=""/>
+          <p:cNvPr id="35" name="" descr=""/>
           <p:cNvPicPr/>
           <p:nvPr/>
         </p:nvPicPr>
@@ -432,8 +432,8 @@
         </p:blipFill>
         <p:spPr>
           <a:xfrm>
-            <a:off x="1276200" y="3681360"/>
-            <a:ext cx="2377440" cy="1896840"/>
+            <a:off x="2079360" y="1604160"/>
+            <a:ext cx="4984200" cy="3976920"/>
           </a:xfrm>
           <a:prstGeom prst="rect">
             <a:avLst/>
@@ -449,7 +449,7 @@
 </file>
 
 <file path=ppt/slideLayouts/slideLayout13.xml><?xml version="1.0" encoding="utf-8"?>
-<p:sldLayout xmlns:a="http://schemas.openxmlformats.org/drawingml/2006/main" xmlns:p="http://schemas.openxmlformats.org/presentationml/2006/main" xmlns:r="http://schemas.openxmlformats.org/officeDocument/2006/relationships" preserve="1" type="blank">
+<p:sldLayout xmlns:a="http://schemas.openxmlformats.org/drawingml/2006/main" xmlns:p="http://schemas.openxmlformats.org/presentationml/2006/main" xmlns:r="http://schemas.openxmlformats.org/officeDocument/2006/relationships" type="blank" preserve="1">
   <p:cSld name="Blank Slide">
     <p:spTree>
       <p:nvGrpSpPr>
@@ -471,7 +471,7 @@
 </file>
 
 <file path=ppt/slideLayouts/slideLayout14.xml><?xml version="1.0" encoding="utf-8"?>
-<p:sldLayout xmlns:a="http://schemas.openxmlformats.org/drawingml/2006/main" xmlns:p="http://schemas.openxmlformats.org/presentationml/2006/main" xmlns:r="http://schemas.openxmlformats.org/officeDocument/2006/relationships" preserve="1" type="tx">
+<p:sldLayout xmlns:a="http://schemas.openxmlformats.org/drawingml/2006/main" xmlns:p="http://schemas.openxmlformats.org/presentationml/2006/main" xmlns:r="http://schemas.openxmlformats.org/officeDocument/2006/relationships" type="tx" preserve="1">
   <p:cSld name="Title Slide">
     <p:spTree>
       <p:nvGrpSpPr>
@@ -507,7 +507,7 @@
           </a:prstGeom>
         </p:spPr>
         <p:txBody>
-          <a:bodyPr anchor="ctr" bIns="0" lIns="0" rIns="0" tIns="0" wrap="none"/>
+          <a:bodyPr wrap="none" lIns="0" rIns="0" tIns="0" bIns="0" anchor="ctr"/>
           <a:p>
             <a:pPr algn="ctr"/>
             <a:endParaRPr/>
@@ -527,14 +527,14 @@
         <p:spPr>
           <a:xfrm>
             <a:off x="457200" y="1604520"/>
-            <a:ext cx="8229240" cy="3977640"/>
-          </a:xfrm>
-          <a:prstGeom prst="rect">
-            <a:avLst/>
-          </a:prstGeom>
-        </p:spPr>
-        <p:txBody>
-          <a:bodyPr anchor="ctr" bIns="0" lIns="0" rIns="0" tIns="0" wrap="none"/>
+            <a:ext cx="8229240" cy="3977280"/>
+          </a:xfrm>
+          <a:prstGeom prst="rect">
+            <a:avLst/>
+          </a:prstGeom>
+        </p:spPr>
+        <p:txBody>
+          <a:bodyPr wrap="none" lIns="0" rIns="0" tIns="0" bIns="0" anchor="ctr"/>
           <a:p>
             <a:pPr algn="ctr"/>
             <a:endParaRPr/>
@@ -547,7 +547,7 @@
 </file>
 
 <file path=ppt/slideLayouts/slideLayout15.xml><?xml version="1.0" encoding="utf-8"?>
-<p:sldLayout xmlns:a="http://schemas.openxmlformats.org/drawingml/2006/main" xmlns:p="http://schemas.openxmlformats.org/presentationml/2006/main" xmlns:r="http://schemas.openxmlformats.org/officeDocument/2006/relationships" preserve="1" type="obj">
+<p:sldLayout xmlns:a="http://schemas.openxmlformats.org/drawingml/2006/main" xmlns:p="http://schemas.openxmlformats.org/presentationml/2006/main" xmlns:r="http://schemas.openxmlformats.org/officeDocument/2006/relationships" type="obj" preserve="1">
   <p:cSld name="Title, Content">
     <p:spTree>
       <p:nvGrpSpPr>
@@ -583,7 +583,7 @@
           </a:prstGeom>
         </p:spPr>
         <p:txBody>
-          <a:bodyPr anchor="ctr" bIns="0" lIns="0" rIns="0" tIns="0" wrap="none"/>
+          <a:bodyPr wrap="none" lIns="0" rIns="0" tIns="0" bIns="0" anchor="ctr"/>
           <a:p>
             <a:pPr algn="ctr"/>
             <a:endParaRPr/>
@@ -603,14 +603,14 @@
         <p:spPr>
           <a:xfrm>
             <a:off x="457200" y="1604520"/>
-            <a:ext cx="8229240" cy="3977280"/>
-          </a:xfrm>
-          <a:prstGeom prst="rect">
-            <a:avLst/>
-          </a:prstGeom>
-        </p:spPr>
-        <p:txBody>
-          <a:bodyPr bIns="0" lIns="0" rIns="0" tIns="0" wrap="none"/>
+            <a:ext cx="8229240" cy="3976920"/>
+          </a:xfrm>
+          <a:prstGeom prst="rect">
+            <a:avLst/>
+          </a:prstGeom>
+        </p:spPr>
+        <p:txBody>
+          <a:bodyPr wrap="none" lIns="0" rIns="0" tIns="0" bIns="0"/>
           <a:p>
             <a:endParaRPr/>
           </a:p>
@@ -622,7 +622,7 @@
 </file>
 
 <file path=ppt/slideLayouts/slideLayout16.xml><?xml version="1.0" encoding="utf-8"?>
-<p:sldLayout xmlns:a="http://schemas.openxmlformats.org/drawingml/2006/main" xmlns:p="http://schemas.openxmlformats.org/presentationml/2006/main" xmlns:r="http://schemas.openxmlformats.org/officeDocument/2006/relationships" preserve="1" type="twoObj">
+<p:sldLayout xmlns:a="http://schemas.openxmlformats.org/drawingml/2006/main" xmlns:p="http://schemas.openxmlformats.org/presentationml/2006/main" xmlns:r="http://schemas.openxmlformats.org/officeDocument/2006/relationships" type="twoObj" preserve="1">
   <p:cSld name="Title, 2 Content">
     <p:spTree>
       <p:nvGrpSpPr>
@@ -658,7 +658,7 @@
           </a:prstGeom>
         </p:spPr>
         <p:txBody>
-          <a:bodyPr anchor="ctr" bIns="0" lIns="0" rIns="0" tIns="0" wrap="none"/>
+          <a:bodyPr wrap="none" lIns="0" rIns="0" tIns="0" bIns="0" anchor="ctr"/>
           <a:p>
             <a:pPr algn="ctr"/>
             <a:endParaRPr/>
@@ -678,14 +678,14 @@
         <p:spPr>
           <a:xfrm>
             <a:off x="457200" y="1604520"/>
-            <a:ext cx="4015440" cy="3977280"/>
-          </a:xfrm>
-          <a:prstGeom prst="rect">
-            <a:avLst/>
-          </a:prstGeom>
-        </p:spPr>
-        <p:txBody>
-          <a:bodyPr bIns="0" lIns="0" rIns="0" tIns="0" wrap="none"/>
+            <a:ext cx="4015800" cy="3976920"/>
+          </a:xfrm>
+          <a:prstGeom prst="rect">
+            <a:avLst/>
+          </a:prstGeom>
+        </p:spPr>
+        <p:txBody>
+          <a:bodyPr wrap="none" lIns="0" rIns="0" tIns="0" bIns="0"/>
           <a:p>
             <a:endParaRPr/>
           </a:p>
@@ -703,15 +703,15 @@
         </p:nvSpPr>
         <p:spPr>
           <a:xfrm>
-            <a:off x="4673520" y="1604520"/>
-            <a:ext cx="4015440" cy="3977280"/>
-          </a:xfrm>
-          <a:prstGeom prst="rect">
-            <a:avLst/>
-          </a:prstGeom>
-        </p:spPr>
-        <p:txBody>
-          <a:bodyPr bIns="0" lIns="0" rIns="0" tIns="0" wrap="none"/>
+            <a:off x="4674240" y="1604520"/>
+            <a:ext cx="4015800" cy="3976920"/>
+          </a:xfrm>
+          <a:prstGeom prst="rect">
+            <a:avLst/>
+          </a:prstGeom>
+        </p:spPr>
+        <p:txBody>
+          <a:bodyPr wrap="none" lIns="0" rIns="0" tIns="0" bIns="0"/>
           <a:p>
             <a:endParaRPr/>
           </a:p>
@@ -723,7 +723,7 @@
 </file>
 
 <file path=ppt/slideLayouts/slideLayout17.xml><?xml version="1.0" encoding="utf-8"?>
-<p:sldLayout xmlns:a="http://schemas.openxmlformats.org/drawingml/2006/main" xmlns:p="http://schemas.openxmlformats.org/presentationml/2006/main" xmlns:r="http://schemas.openxmlformats.org/officeDocument/2006/relationships" preserve="1" type="titleOnly">
+<p:sldLayout xmlns:a="http://schemas.openxmlformats.org/drawingml/2006/main" xmlns:p="http://schemas.openxmlformats.org/presentationml/2006/main" xmlns:r="http://schemas.openxmlformats.org/officeDocument/2006/relationships" type="titleOnly" preserve="1">
   <p:cSld name="Title Only">
     <p:spTree>
       <p:nvGrpSpPr>
@@ -759,7 +759,7 @@
           </a:prstGeom>
         </p:spPr>
         <p:txBody>
-          <a:bodyPr anchor="ctr" bIns="0" lIns="0" rIns="0" tIns="0" wrap="none"/>
+          <a:bodyPr wrap="none" lIns="0" rIns="0" tIns="0" bIns="0" anchor="ctr"/>
           <a:p>
             <a:pPr algn="ctr"/>
             <a:endParaRPr/>
@@ -772,7 +772,7 @@
 </file>
 
 <file path=ppt/slideLayouts/slideLayout18.xml><?xml version="1.0" encoding="utf-8"?>
-<p:sldLayout xmlns:a="http://schemas.openxmlformats.org/drawingml/2006/main" xmlns:p="http://schemas.openxmlformats.org/presentationml/2006/main" xmlns:r="http://schemas.openxmlformats.org/officeDocument/2006/relationships" preserve="1" type="objOnly">
+<p:sldLayout xmlns:a="http://schemas.openxmlformats.org/drawingml/2006/main" xmlns:p="http://schemas.openxmlformats.org/presentationml/2006/main" xmlns:r="http://schemas.openxmlformats.org/officeDocument/2006/relationships" type="objOnly" preserve="1">
   <p:cSld name="Centered Text">
     <p:spTree>
       <p:nvGrpSpPr>
@@ -808,7 +808,7 @@
           </a:prstGeom>
         </p:spPr>
         <p:txBody>
-          <a:bodyPr anchor="ctr" bIns="0" lIns="0" rIns="0" tIns="0" wrap="none"/>
+          <a:bodyPr wrap="none" lIns="0" rIns="0" tIns="0" bIns="0" anchor="ctr"/>
           <a:p>
             <a:pPr algn="ctr"/>
             <a:endParaRPr/>
@@ -821,7 +821,7 @@
 </file>
 
 <file path=ppt/slideLayouts/slideLayout19.xml><?xml version="1.0" encoding="utf-8"?>
-<p:sldLayout xmlns:a="http://schemas.openxmlformats.org/drawingml/2006/main" xmlns:p="http://schemas.openxmlformats.org/presentationml/2006/main" xmlns:r="http://schemas.openxmlformats.org/officeDocument/2006/relationships" preserve="1" type="twoObjAndObj">
+<p:sldLayout xmlns:a="http://schemas.openxmlformats.org/drawingml/2006/main" xmlns:p="http://schemas.openxmlformats.org/presentationml/2006/main" xmlns:r="http://schemas.openxmlformats.org/officeDocument/2006/relationships" type="twoObjAndObj" preserve="1">
   <p:cSld name="Title, 2 Content and Content">
     <p:spTree>
       <p:nvGrpSpPr>
@@ -857,7 +857,7 @@
           </a:prstGeom>
         </p:spPr>
         <p:txBody>
-          <a:bodyPr anchor="ctr" bIns="0" lIns="0" rIns="0" tIns="0" wrap="none"/>
+          <a:bodyPr wrap="none" lIns="0" rIns="0" tIns="0" bIns="0" anchor="ctr"/>
           <a:p>
             <a:pPr algn="ctr"/>
             <a:endParaRPr/>
@@ -877,14 +877,14 @@
         <p:spPr>
           <a:xfrm>
             <a:off x="457200" y="1604520"/>
-            <a:ext cx="4015440" cy="1896840"/>
-          </a:xfrm>
-          <a:prstGeom prst="rect">
-            <a:avLst/>
-          </a:prstGeom>
-        </p:spPr>
-        <p:txBody>
-          <a:bodyPr bIns="0" lIns="0" rIns="0" tIns="0" wrap="none"/>
+            <a:ext cx="4015800" cy="1896840"/>
+          </a:xfrm>
+          <a:prstGeom prst="rect">
+            <a:avLst/>
+          </a:prstGeom>
+        </p:spPr>
+        <p:txBody>
+          <a:bodyPr wrap="none" lIns="0" rIns="0" tIns="0" bIns="0"/>
           <a:p>
             <a:endParaRPr/>
           </a:p>
@@ -902,15 +902,15 @@
         </p:nvSpPr>
         <p:spPr>
           <a:xfrm>
-            <a:off x="457200" y="3681720"/>
-            <a:ext cx="4015440" cy="1896840"/>
-          </a:xfrm>
-          <a:prstGeom prst="rect">
-            <a:avLst/>
-          </a:prstGeom>
-        </p:spPr>
-        <p:txBody>
-          <a:bodyPr bIns="0" lIns="0" rIns="0" tIns="0" wrap="none"/>
+            <a:off x="457200" y="3682080"/>
+            <a:ext cx="4015800" cy="1896840"/>
+          </a:xfrm>
+          <a:prstGeom prst="rect">
+            <a:avLst/>
+          </a:prstGeom>
+        </p:spPr>
+        <p:txBody>
+          <a:bodyPr wrap="none" lIns="0" rIns="0" tIns="0" bIns="0"/>
           <a:p>
             <a:endParaRPr/>
           </a:p>
@@ -928,15 +928,15 @@
         </p:nvSpPr>
         <p:spPr>
           <a:xfrm>
-            <a:off x="4673520" y="1604520"/>
-            <a:ext cx="4015440" cy="3977280"/>
-          </a:xfrm>
-          <a:prstGeom prst="rect">
-            <a:avLst/>
-          </a:prstGeom>
-        </p:spPr>
-        <p:txBody>
-          <a:bodyPr bIns="0" lIns="0" rIns="0" tIns="0" wrap="none"/>
+            <a:off x="4674240" y="1604520"/>
+            <a:ext cx="4015800" cy="3976920"/>
+          </a:xfrm>
+          <a:prstGeom prst="rect">
+            <a:avLst/>
+          </a:prstGeom>
+        </p:spPr>
+        <p:txBody>
+          <a:bodyPr wrap="none" lIns="0" rIns="0" tIns="0" bIns="0"/>
           <a:p>
             <a:endParaRPr/>
           </a:p>
@@ -948,7 +948,7 @@
 </file>
 
 <file path=ppt/slideLayouts/slideLayout2.xml><?xml version="1.0" encoding="utf-8"?>
-<p:sldLayout xmlns:a="http://schemas.openxmlformats.org/drawingml/2006/main" xmlns:p="http://schemas.openxmlformats.org/presentationml/2006/main" xmlns:r="http://schemas.openxmlformats.org/officeDocument/2006/relationships" preserve="1" type="tx">
+<p:sldLayout xmlns:a="http://schemas.openxmlformats.org/drawingml/2006/main" xmlns:p="http://schemas.openxmlformats.org/presentationml/2006/main" xmlns:r="http://schemas.openxmlformats.org/officeDocument/2006/relationships" type="tx" preserve="1">
   <p:cSld name="Title Slide">
     <p:spTree>
       <p:nvGrpSpPr>
@@ -984,7 +984,7 @@
           </a:prstGeom>
         </p:spPr>
         <p:txBody>
-          <a:bodyPr anchor="ctr" bIns="0" lIns="0" rIns="0" tIns="0" wrap="none"/>
+          <a:bodyPr wrap="none" lIns="0" rIns="0" tIns="0" bIns="0" anchor="ctr"/>
           <a:p>
             <a:pPr algn="ctr"/>
             <a:endParaRPr/>
@@ -1004,14 +1004,14 @@
         <p:spPr>
           <a:xfrm>
             <a:off x="457200" y="1604520"/>
-            <a:ext cx="8229240" cy="3977640"/>
-          </a:xfrm>
-          <a:prstGeom prst="rect">
-            <a:avLst/>
-          </a:prstGeom>
-        </p:spPr>
-        <p:txBody>
-          <a:bodyPr anchor="ctr" bIns="0" lIns="0" rIns="0" tIns="0" wrap="none"/>
+            <a:ext cx="8229240" cy="3977280"/>
+          </a:xfrm>
+          <a:prstGeom prst="rect">
+            <a:avLst/>
+          </a:prstGeom>
+        </p:spPr>
+        <p:txBody>
+          <a:bodyPr wrap="none" lIns="0" rIns="0" tIns="0" bIns="0" anchor="ctr"/>
           <a:p>
             <a:pPr algn="ctr"/>
             <a:endParaRPr/>
@@ -1024,7 +1024,7 @@
 </file>
 
 <file path=ppt/slideLayouts/slideLayout20.xml><?xml version="1.0" encoding="utf-8"?>
-<p:sldLayout xmlns:a="http://schemas.openxmlformats.org/drawingml/2006/main" xmlns:p="http://schemas.openxmlformats.org/presentationml/2006/main" xmlns:r="http://schemas.openxmlformats.org/officeDocument/2006/relationships" preserve="1" type="objAndTwoObj">
+<p:sldLayout xmlns:a="http://schemas.openxmlformats.org/drawingml/2006/main" xmlns:p="http://schemas.openxmlformats.org/presentationml/2006/main" xmlns:r="http://schemas.openxmlformats.org/officeDocument/2006/relationships" type="objAndTwoObj" preserve="1">
   <p:cSld name="Title Content and 2 Content">
     <p:spTree>
       <p:nvGrpSpPr>
@@ -1060,7 +1060,7 @@
           </a:prstGeom>
         </p:spPr>
         <p:txBody>
-          <a:bodyPr anchor="ctr" bIns="0" lIns="0" rIns="0" tIns="0" wrap="none"/>
+          <a:bodyPr wrap="none" lIns="0" rIns="0" tIns="0" bIns="0" anchor="ctr"/>
           <a:p>
             <a:pPr algn="ctr"/>
             <a:endParaRPr/>
@@ -1080,14 +1080,14 @@
         <p:spPr>
           <a:xfrm>
             <a:off x="457200" y="1604520"/>
-            <a:ext cx="4015440" cy="3977280"/>
-          </a:xfrm>
-          <a:prstGeom prst="rect">
-            <a:avLst/>
-          </a:prstGeom>
-        </p:spPr>
-        <p:txBody>
-          <a:bodyPr bIns="0" lIns="0" rIns="0" tIns="0" wrap="none"/>
+            <a:ext cx="4015800" cy="3976920"/>
+          </a:xfrm>
+          <a:prstGeom prst="rect">
+            <a:avLst/>
+          </a:prstGeom>
+        </p:spPr>
+        <p:txBody>
+          <a:bodyPr wrap="none" lIns="0" rIns="0" tIns="0" bIns="0"/>
           <a:p>
             <a:endParaRPr/>
           </a:p>
@@ -1105,15 +1105,15 @@
         </p:nvSpPr>
         <p:spPr>
           <a:xfrm>
-            <a:off x="4673520" y="1604520"/>
-            <a:ext cx="4015440" cy="1896840"/>
-          </a:xfrm>
-          <a:prstGeom prst="rect">
-            <a:avLst/>
-          </a:prstGeom>
-        </p:spPr>
-        <p:txBody>
-          <a:bodyPr bIns="0" lIns="0" rIns="0" tIns="0" wrap="none"/>
+            <a:off x="4674240" y="1604520"/>
+            <a:ext cx="4015800" cy="1896840"/>
+          </a:xfrm>
+          <a:prstGeom prst="rect">
+            <a:avLst/>
+          </a:prstGeom>
+        </p:spPr>
+        <p:txBody>
+          <a:bodyPr wrap="none" lIns="0" rIns="0" tIns="0" bIns="0"/>
           <a:p>
             <a:endParaRPr/>
           </a:p>
@@ -1131,15 +1131,15 @@
         </p:nvSpPr>
         <p:spPr>
           <a:xfrm>
-            <a:off x="4673520" y="3681720"/>
-            <a:ext cx="4015440" cy="1896840"/>
-          </a:xfrm>
-          <a:prstGeom prst="rect">
-            <a:avLst/>
-          </a:prstGeom>
-        </p:spPr>
-        <p:txBody>
-          <a:bodyPr bIns="0" lIns="0" rIns="0" tIns="0" wrap="none"/>
+            <a:off x="4674240" y="3682080"/>
+            <a:ext cx="4015800" cy="1896840"/>
+          </a:xfrm>
+          <a:prstGeom prst="rect">
+            <a:avLst/>
+          </a:prstGeom>
+        </p:spPr>
+        <p:txBody>
+          <a:bodyPr wrap="none" lIns="0" rIns="0" tIns="0" bIns="0"/>
           <a:p>
             <a:endParaRPr/>
           </a:p>
@@ -1151,7 +1151,7 @@
 </file>
 
 <file path=ppt/slideLayouts/slideLayout21.xml><?xml version="1.0" encoding="utf-8"?>
-<p:sldLayout xmlns:a="http://schemas.openxmlformats.org/drawingml/2006/main" xmlns:p="http://schemas.openxmlformats.org/presentationml/2006/main" xmlns:r="http://schemas.openxmlformats.org/officeDocument/2006/relationships" preserve="1" type="twoObjOverTx">
+<p:sldLayout xmlns:a="http://schemas.openxmlformats.org/drawingml/2006/main" xmlns:p="http://schemas.openxmlformats.org/presentationml/2006/main" xmlns:r="http://schemas.openxmlformats.org/officeDocument/2006/relationships" type="twoObjOverTx" preserve="1">
   <p:cSld name="Title, 2 Content over Content">
     <p:spTree>
       <p:nvGrpSpPr>
@@ -1187,7 +1187,7 @@
           </a:prstGeom>
         </p:spPr>
         <p:txBody>
-          <a:bodyPr anchor="ctr" bIns="0" lIns="0" rIns="0" tIns="0" wrap="none"/>
+          <a:bodyPr wrap="none" lIns="0" rIns="0" tIns="0" bIns="0" anchor="ctr"/>
           <a:p>
             <a:pPr algn="ctr"/>
             <a:endParaRPr/>
@@ -1207,14 +1207,14 @@
         <p:spPr>
           <a:xfrm>
             <a:off x="457200" y="1604520"/>
-            <a:ext cx="4015440" cy="1896840"/>
-          </a:xfrm>
-          <a:prstGeom prst="rect">
-            <a:avLst/>
-          </a:prstGeom>
-        </p:spPr>
-        <p:txBody>
-          <a:bodyPr bIns="0" lIns="0" rIns="0" tIns="0" wrap="none"/>
+            <a:ext cx="4015800" cy="1896840"/>
+          </a:xfrm>
+          <a:prstGeom prst="rect">
+            <a:avLst/>
+          </a:prstGeom>
+        </p:spPr>
+        <p:txBody>
+          <a:bodyPr wrap="none" lIns="0" rIns="0" tIns="0" bIns="0"/>
           <a:p>
             <a:endParaRPr/>
           </a:p>
@@ -1232,15 +1232,15 @@
         </p:nvSpPr>
         <p:spPr>
           <a:xfrm>
-            <a:off x="4673520" y="1604520"/>
-            <a:ext cx="4015440" cy="1896840"/>
-          </a:xfrm>
-          <a:prstGeom prst="rect">
-            <a:avLst/>
-          </a:prstGeom>
-        </p:spPr>
-        <p:txBody>
-          <a:bodyPr bIns="0" lIns="0" rIns="0" tIns="0" wrap="none"/>
+            <a:off x="4674240" y="1604520"/>
+            <a:ext cx="4015800" cy="1896840"/>
+          </a:xfrm>
+          <a:prstGeom prst="rect">
+            <a:avLst/>
+          </a:prstGeom>
+        </p:spPr>
+        <p:txBody>
+          <a:bodyPr wrap="none" lIns="0" rIns="0" tIns="0" bIns="0"/>
           <a:p>
             <a:endParaRPr/>
           </a:p>
@@ -1258,15 +1258,15 @@
         </p:nvSpPr>
         <p:spPr>
           <a:xfrm>
-            <a:off x="457200" y="3681720"/>
-            <a:ext cx="8228520" cy="1896840"/>
-          </a:xfrm>
-          <a:prstGeom prst="rect">
-            <a:avLst/>
-          </a:prstGeom>
-        </p:spPr>
-        <p:txBody>
-          <a:bodyPr bIns="0" lIns="0" rIns="0" tIns="0" wrap="none"/>
+            <a:off x="457200" y="3682080"/>
+            <a:ext cx="8229240" cy="1896840"/>
+          </a:xfrm>
+          <a:prstGeom prst="rect">
+            <a:avLst/>
+          </a:prstGeom>
+        </p:spPr>
+        <p:txBody>
+          <a:bodyPr wrap="none" lIns="0" rIns="0" tIns="0" bIns="0"/>
           <a:p>
             <a:endParaRPr/>
           </a:p>
@@ -1278,7 +1278,7 @@
 </file>
 
 <file path=ppt/slideLayouts/slideLayout22.xml><?xml version="1.0" encoding="utf-8"?>
-<p:sldLayout xmlns:a="http://schemas.openxmlformats.org/drawingml/2006/main" xmlns:p="http://schemas.openxmlformats.org/presentationml/2006/main" xmlns:r="http://schemas.openxmlformats.org/officeDocument/2006/relationships" preserve="1" type="objOverTx">
+<p:sldLayout xmlns:a="http://schemas.openxmlformats.org/drawingml/2006/main" xmlns:p="http://schemas.openxmlformats.org/presentationml/2006/main" xmlns:r="http://schemas.openxmlformats.org/officeDocument/2006/relationships" type="objOverTx" preserve="1">
   <p:cSld name="Title, Content over Content">
     <p:spTree>
       <p:nvGrpSpPr>
@@ -1314,7 +1314,7 @@
           </a:prstGeom>
         </p:spPr>
         <p:txBody>
-          <a:bodyPr anchor="ctr" bIns="0" lIns="0" rIns="0" tIns="0" wrap="none"/>
+          <a:bodyPr wrap="none" lIns="0" rIns="0" tIns="0" bIns="0" anchor="ctr"/>
           <a:p>
             <a:pPr algn="ctr"/>
             <a:endParaRPr/>
@@ -1341,7 +1341,7 @@
           </a:prstGeom>
         </p:spPr>
         <p:txBody>
-          <a:bodyPr bIns="0" lIns="0" rIns="0" tIns="0" wrap="none"/>
+          <a:bodyPr wrap="none" lIns="0" rIns="0" tIns="0" bIns="0"/>
           <a:p>
             <a:endParaRPr/>
           </a:p>
@@ -1359,7 +1359,7 @@
         </p:nvSpPr>
         <p:spPr>
           <a:xfrm>
-            <a:off x="457200" y="3681720"/>
+            <a:off x="457200" y="3682080"/>
             <a:ext cx="8229240" cy="1896840"/>
           </a:xfrm>
           <a:prstGeom prst="rect">
@@ -1367,7 +1367,7 @@
           </a:prstGeom>
         </p:spPr>
         <p:txBody>
-          <a:bodyPr bIns="0" lIns="0" rIns="0" tIns="0" wrap="none"/>
+          <a:bodyPr wrap="none" lIns="0" rIns="0" tIns="0" bIns="0"/>
           <a:p>
             <a:endParaRPr/>
           </a:p>
@@ -1379,7 +1379,7 @@
 </file>
 
 <file path=ppt/slideLayouts/slideLayout23.xml><?xml version="1.0" encoding="utf-8"?>
-<p:sldLayout xmlns:a="http://schemas.openxmlformats.org/drawingml/2006/main" xmlns:p="http://schemas.openxmlformats.org/presentationml/2006/main" xmlns:r="http://schemas.openxmlformats.org/officeDocument/2006/relationships" preserve="1" type="fourObj">
+<p:sldLayout xmlns:a="http://schemas.openxmlformats.org/drawingml/2006/main" xmlns:p="http://schemas.openxmlformats.org/presentationml/2006/main" xmlns:r="http://schemas.openxmlformats.org/officeDocument/2006/relationships" type="fourObj" preserve="1">
   <p:cSld name="Title, 4 Content">
     <p:spTree>
       <p:nvGrpSpPr>
@@ -1415,7 +1415,7 @@
           </a:prstGeom>
         </p:spPr>
         <p:txBody>
-          <a:bodyPr anchor="ctr" bIns="0" lIns="0" rIns="0" tIns="0" wrap="none"/>
+          <a:bodyPr wrap="none" lIns="0" rIns="0" tIns="0" bIns="0" anchor="ctr"/>
           <a:p>
             <a:pPr algn="ctr"/>
             <a:endParaRPr/>
@@ -1435,14 +1435,14 @@
         <p:spPr>
           <a:xfrm>
             <a:off x="457200" y="1604520"/>
-            <a:ext cx="4015440" cy="1896840"/>
-          </a:xfrm>
-          <a:prstGeom prst="rect">
-            <a:avLst/>
-          </a:prstGeom>
-        </p:spPr>
-        <p:txBody>
-          <a:bodyPr bIns="0" lIns="0" rIns="0" tIns="0" wrap="none"/>
+            <a:ext cx="4015800" cy="1896840"/>
+          </a:xfrm>
+          <a:prstGeom prst="rect">
+            <a:avLst/>
+          </a:prstGeom>
+        </p:spPr>
+        <p:txBody>
+          <a:bodyPr wrap="none" lIns="0" rIns="0" tIns="0" bIns="0"/>
           <a:p>
             <a:endParaRPr/>
           </a:p>
@@ -1460,15 +1460,15 @@
         </p:nvSpPr>
         <p:spPr>
           <a:xfrm>
-            <a:off x="4673520" y="1604520"/>
-            <a:ext cx="4015440" cy="1896840"/>
-          </a:xfrm>
-          <a:prstGeom prst="rect">
-            <a:avLst/>
-          </a:prstGeom>
-        </p:spPr>
-        <p:txBody>
-          <a:bodyPr bIns="0" lIns="0" rIns="0" tIns="0" wrap="none"/>
+            <a:off x="4674240" y="1604520"/>
+            <a:ext cx="4015800" cy="1896840"/>
+          </a:xfrm>
+          <a:prstGeom prst="rect">
+            <a:avLst/>
+          </a:prstGeom>
+        </p:spPr>
+        <p:txBody>
+          <a:bodyPr wrap="none" lIns="0" rIns="0" tIns="0" bIns="0"/>
           <a:p>
             <a:endParaRPr/>
           </a:p>
@@ -1486,15 +1486,15 @@
         </p:nvSpPr>
         <p:spPr>
           <a:xfrm>
-            <a:off x="4673520" y="3681720"/>
-            <a:ext cx="4015440" cy="1896840"/>
-          </a:xfrm>
-          <a:prstGeom prst="rect">
-            <a:avLst/>
-          </a:prstGeom>
-        </p:spPr>
-        <p:txBody>
-          <a:bodyPr bIns="0" lIns="0" rIns="0" tIns="0" wrap="none"/>
+            <a:off x="4674240" y="3682080"/>
+            <a:ext cx="4015800" cy="1896840"/>
+          </a:xfrm>
+          <a:prstGeom prst="rect">
+            <a:avLst/>
+          </a:prstGeom>
+        </p:spPr>
+        <p:txBody>
+          <a:bodyPr wrap="none" lIns="0" rIns="0" tIns="0" bIns="0"/>
           <a:p>
             <a:endParaRPr/>
           </a:p>
@@ -1512,15 +1512,15 @@
         </p:nvSpPr>
         <p:spPr>
           <a:xfrm>
-            <a:off x="457200" y="3681720"/>
-            <a:ext cx="4015440" cy="1896840"/>
-          </a:xfrm>
-          <a:prstGeom prst="rect">
-            <a:avLst/>
-          </a:prstGeom>
-        </p:spPr>
-        <p:txBody>
-          <a:bodyPr bIns="0" lIns="0" rIns="0" tIns="0" wrap="none"/>
+            <a:off x="457200" y="3682080"/>
+            <a:ext cx="4015800" cy="1896840"/>
+          </a:xfrm>
+          <a:prstGeom prst="rect">
+            <a:avLst/>
+          </a:prstGeom>
+        </p:spPr>
+        <p:txBody>
+          <a:bodyPr wrap="none" lIns="0" rIns="0" tIns="0" bIns="0"/>
           <a:p>
             <a:endParaRPr/>
           </a:p>
@@ -1532,7 +1532,7 @@
 </file>
 
 <file path=ppt/slideLayouts/slideLayout24.xml><?xml version="1.0" encoding="utf-8"?>
-<p:sldLayout xmlns:a="http://schemas.openxmlformats.org/drawingml/2006/main" xmlns:p="http://schemas.openxmlformats.org/presentationml/2006/main" xmlns:r="http://schemas.openxmlformats.org/officeDocument/2006/relationships" preserve="1" type="blank">
+<p:sldLayout xmlns:a="http://schemas.openxmlformats.org/drawingml/2006/main" xmlns:p="http://schemas.openxmlformats.org/presentationml/2006/main" xmlns:r="http://schemas.openxmlformats.org/officeDocument/2006/relationships" type="blank" preserve="1">
   <p:cSld name="Title, 6 Content">
     <p:spTree>
       <p:nvGrpSpPr>
@@ -1568,7 +1568,7 @@
           </a:prstGeom>
         </p:spPr>
         <p:txBody>
-          <a:bodyPr anchor="ctr" bIns="0" lIns="0" rIns="0" tIns="0" wrap="none"/>
+          <a:bodyPr wrap="none" lIns="0" rIns="0" tIns="0" bIns="0" anchor="ctr"/>
           <a:p>
             <a:pPr algn="ctr"/>
             <a:endParaRPr/>
@@ -1588,14 +1588,14 @@
         <p:spPr>
           <a:xfrm>
             <a:off x="457200" y="1604520"/>
-            <a:ext cx="4015440" cy="1896840"/>
-          </a:xfrm>
-          <a:prstGeom prst="rect">
-            <a:avLst/>
-          </a:prstGeom>
-        </p:spPr>
-        <p:txBody>
-          <a:bodyPr bIns="0" lIns="0" rIns="0" tIns="0" wrap="none"/>
+            <a:ext cx="8229240" cy="3976920"/>
+          </a:xfrm>
+          <a:prstGeom prst="rect">
+            <a:avLst/>
+          </a:prstGeom>
+        </p:spPr>
+        <p:txBody>
+          <a:bodyPr wrap="none" lIns="0" rIns="0" tIns="0" bIns="0"/>
           <a:p>
             <a:endParaRPr/>
           </a:p>
@@ -1613,15 +1613,15 @@
         </p:nvSpPr>
         <p:spPr>
           <a:xfrm>
-            <a:off x="4673520" y="1604520"/>
-            <a:ext cx="4015440" cy="1896840"/>
-          </a:xfrm>
-          <a:prstGeom prst="rect">
-            <a:avLst/>
-          </a:prstGeom>
-        </p:spPr>
-        <p:txBody>
-          <a:bodyPr bIns="0" lIns="0" rIns="0" tIns="0" wrap="none"/>
+            <a:off x="457200" y="1604520"/>
+            <a:ext cx="8229240" cy="3976920"/>
+          </a:xfrm>
+          <a:prstGeom prst="rect">
+            <a:avLst/>
+          </a:prstGeom>
+        </p:spPr>
+        <p:txBody>
+          <a:bodyPr wrap="none" lIns="0" rIns="0" tIns="0" bIns="0"/>
           <a:p>
             <a:endParaRPr/>
           </a:p>
@@ -1629,7 +1629,7 @@
       </p:sp>
       <p:pic>
         <p:nvPicPr>
-          <p:cNvPr descr="" id="70" name=""/>
+          <p:cNvPr id="70" name="" descr=""/>
           <p:cNvPicPr/>
           <p:nvPr/>
         </p:nvPicPr>
@@ -1641,8 +1641,8 @@
         </p:blipFill>
         <p:spPr>
           <a:xfrm>
-            <a:off x="5492520" y="3681360"/>
-            <a:ext cx="2377440" cy="1896840"/>
+            <a:off x="2079360" y="1604160"/>
+            <a:ext cx="4984200" cy="3976920"/>
           </a:xfrm>
           <a:prstGeom prst="rect">
             <a:avLst/>
@@ -1654,7 +1654,7 @@
       </p:pic>
       <p:pic>
         <p:nvPicPr>
-          <p:cNvPr descr="" id="71" name=""/>
+          <p:cNvPr id="71" name="" descr=""/>
           <p:cNvPicPr/>
           <p:nvPr/>
         </p:nvPicPr>
@@ -1666,8 +1666,8 @@
         </p:blipFill>
         <p:spPr>
           <a:xfrm>
-            <a:off x="1276200" y="3681360"/>
-            <a:ext cx="2377440" cy="1896840"/>
+            <a:off x="2079360" y="1604160"/>
+            <a:ext cx="4984200" cy="3976920"/>
           </a:xfrm>
           <a:prstGeom prst="rect">
             <a:avLst/>
@@ -1683,7 +1683,7 @@
 </file>
 
 <file path=ppt/slideLayouts/slideLayout3.xml><?xml version="1.0" encoding="utf-8"?>
-<p:sldLayout xmlns:a="http://schemas.openxmlformats.org/drawingml/2006/main" xmlns:p="http://schemas.openxmlformats.org/presentationml/2006/main" xmlns:r="http://schemas.openxmlformats.org/officeDocument/2006/relationships" preserve="1" type="obj">
+<p:sldLayout xmlns:a="http://schemas.openxmlformats.org/drawingml/2006/main" xmlns:p="http://schemas.openxmlformats.org/presentationml/2006/main" xmlns:r="http://schemas.openxmlformats.org/officeDocument/2006/relationships" type="obj" preserve="1">
   <p:cSld name="Title, Content">
     <p:spTree>
       <p:nvGrpSpPr>
@@ -1719,7 +1719,7 @@
           </a:prstGeom>
         </p:spPr>
         <p:txBody>
-          <a:bodyPr anchor="ctr" bIns="0" lIns="0" rIns="0" tIns="0" wrap="none"/>
+          <a:bodyPr wrap="none" lIns="0" rIns="0" tIns="0" bIns="0" anchor="ctr"/>
           <a:p>
             <a:pPr algn="ctr"/>
             <a:endParaRPr/>
@@ -1739,14 +1739,14 @@
         <p:spPr>
           <a:xfrm>
             <a:off x="457200" y="1604520"/>
-            <a:ext cx="8229240" cy="3977280"/>
-          </a:xfrm>
-          <a:prstGeom prst="rect">
-            <a:avLst/>
-          </a:prstGeom>
-        </p:spPr>
-        <p:txBody>
-          <a:bodyPr bIns="0" lIns="0" rIns="0" tIns="0" wrap="none"/>
+            <a:ext cx="8229240" cy="3976920"/>
+          </a:xfrm>
+          <a:prstGeom prst="rect">
+            <a:avLst/>
+          </a:prstGeom>
+        </p:spPr>
+        <p:txBody>
+          <a:bodyPr wrap="none" lIns="0" rIns="0" tIns="0" bIns="0"/>
           <a:p>
             <a:endParaRPr/>
           </a:p>
@@ -1758,7 +1758,7 @@
 </file>
 
 <file path=ppt/slideLayouts/slideLayout4.xml><?xml version="1.0" encoding="utf-8"?>
-<p:sldLayout xmlns:a="http://schemas.openxmlformats.org/drawingml/2006/main" xmlns:p="http://schemas.openxmlformats.org/presentationml/2006/main" xmlns:r="http://schemas.openxmlformats.org/officeDocument/2006/relationships" preserve="1" type="twoObj">
+<p:sldLayout xmlns:a="http://schemas.openxmlformats.org/drawingml/2006/main" xmlns:p="http://schemas.openxmlformats.org/presentationml/2006/main" xmlns:r="http://schemas.openxmlformats.org/officeDocument/2006/relationships" type="twoObj" preserve="1">
   <p:cSld name="Title, 2 Content">
     <p:spTree>
       <p:nvGrpSpPr>
@@ -1794,7 +1794,7 @@
           </a:prstGeom>
         </p:spPr>
         <p:txBody>
-          <a:bodyPr anchor="ctr" bIns="0" lIns="0" rIns="0" tIns="0" wrap="none"/>
+          <a:bodyPr wrap="none" lIns="0" rIns="0" tIns="0" bIns="0" anchor="ctr"/>
           <a:p>
             <a:pPr algn="ctr"/>
             <a:endParaRPr/>
@@ -1814,14 +1814,14 @@
         <p:spPr>
           <a:xfrm>
             <a:off x="457200" y="1604520"/>
-            <a:ext cx="4015440" cy="3977280"/>
-          </a:xfrm>
-          <a:prstGeom prst="rect">
-            <a:avLst/>
-          </a:prstGeom>
-        </p:spPr>
-        <p:txBody>
-          <a:bodyPr bIns="0" lIns="0" rIns="0" tIns="0" wrap="none"/>
+            <a:ext cx="4015800" cy="3976920"/>
+          </a:xfrm>
+          <a:prstGeom prst="rect">
+            <a:avLst/>
+          </a:prstGeom>
+        </p:spPr>
+        <p:txBody>
+          <a:bodyPr wrap="none" lIns="0" rIns="0" tIns="0" bIns="0"/>
           <a:p>
             <a:endParaRPr/>
           </a:p>
@@ -1839,15 +1839,15 @@
         </p:nvSpPr>
         <p:spPr>
           <a:xfrm>
-            <a:off x="4673520" y="1604520"/>
-            <a:ext cx="4015440" cy="3977280"/>
-          </a:xfrm>
-          <a:prstGeom prst="rect">
-            <a:avLst/>
-          </a:prstGeom>
-        </p:spPr>
-        <p:txBody>
-          <a:bodyPr bIns="0" lIns="0" rIns="0" tIns="0" wrap="none"/>
+            <a:off x="4674240" y="1604520"/>
+            <a:ext cx="4015800" cy="3976920"/>
+          </a:xfrm>
+          <a:prstGeom prst="rect">
+            <a:avLst/>
+          </a:prstGeom>
+        </p:spPr>
+        <p:txBody>
+          <a:bodyPr wrap="none" lIns="0" rIns="0" tIns="0" bIns="0"/>
           <a:p>
             <a:endParaRPr/>
           </a:p>
@@ -1859,7 +1859,7 @@
 </file>
 
 <file path=ppt/slideLayouts/slideLayout5.xml><?xml version="1.0" encoding="utf-8"?>
-<p:sldLayout xmlns:a="http://schemas.openxmlformats.org/drawingml/2006/main" xmlns:p="http://schemas.openxmlformats.org/presentationml/2006/main" xmlns:r="http://schemas.openxmlformats.org/officeDocument/2006/relationships" preserve="1" type="titleOnly">
+<p:sldLayout xmlns:a="http://schemas.openxmlformats.org/drawingml/2006/main" xmlns:p="http://schemas.openxmlformats.org/presentationml/2006/main" xmlns:r="http://schemas.openxmlformats.org/officeDocument/2006/relationships" type="titleOnly" preserve="1">
   <p:cSld name="Title Only">
     <p:spTree>
       <p:nvGrpSpPr>
@@ -1895,7 +1895,7 @@
           </a:prstGeom>
         </p:spPr>
         <p:txBody>
-          <a:bodyPr anchor="ctr" bIns="0" lIns="0" rIns="0" tIns="0" wrap="none"/>
+          <a:bodyPr wrap="none" lIns="0" rIns="0" tIns="0" bIns="0" anchor="ctr"/>
           <a:p>
             <a:pPr algn="ctr"/>
             <a:endParaRPr/>
@@ -1908,7 +1908,7 @@
 </file>
 
 <file path=ppt/slideLayouts/slideLayout6.xml><?xml version="1.0" encoding="utf-8"?>
-<p:sldLayout xmlns:a="http://schemas.openxmlformats.org/drawingml/2006/main" xmlns:p="http://schemas.openxmlformats.org/presentationml/2006/main" xmlns:r="http://schemas.openxmlformats.org/officeDocument/2006/relationships" preserve="1" type="objOnly">
+<p:sldLayout xmlns:a="http://schemas.openxmlformats.org/drawingml/2006/main" xmlns:p="http://schemas.openxmlformats.org/presentationml/2006/main" xmlns:r="http://schemas.openxmlformats.org/officeDocument/2006/relationships" type="objOnly" preserve="1">
   <p:cSld name="Centered Text">
     <p:spTree>
       <p:nvGrpSpPr>
@@ -1944,7 +1944,7 @@
           </a:prstGeom>
         </p:spPr>
         <p:txBody>
-          <a:bodyPr anchor="ctr" bIns="0" lIns="0" rIns="0" tIns="0" wrap="none"/>
+          <a:bodyPr wrap="none" lIns="0" rIns="0" tIns="0" bIns="0" anchor="ctr"/>
           <a:p>
             <a:pPr algn="ctr"/>
             <a:endParaRPr/>
@@ -1957,7 +1957,7 @@
 </file>
 
 <file path=ppt/slideLayouts/slideLayout7.xml><?xml version="1.0" encoding="utf-8"?>
-<p:sldLayout xmlns:a="http://schemas.openxmlformats.org/drawingml/2006/main" xmlns:p="http://schemas.openxmlformats.org/presentationml/2006/main" xmlns:r="http://schemas.openxmlformats.org/officeDocument/2006/relationships" preserve="1" type="twoObjAndObj">
+<p:sldLayout xmlns:a="http://schemas.openxmlformats.org/drawingml/2006/main" xmlns:p="http://schemas.openxmlformats.org/presentationml/2006/main" xmlns:r="http://schemas.openxmlformats.org/officeDocument/2006/relationships" type="twoObjAndObj" preserve="1">
   <p:cSld name="Title, 2 Content and Content">
     <p:spTree>
       <p:nvGrpSpPr>
@@ -1993,7 +1993,7 @@
           </a:prstGeom>
         </p:spPr>
         <p:txBody>
-          <a:bodyPr anchor="ctr" bIns="0" lIns="0" rIns="0" tIns="0" wrap="none"/>
+          <a:bodyPr wrap="none" lIns="0" rIns="0" tIns="0" bIns="0" anchor="ctr"/>
           <a:p>
             <a:pPr algn="ctr"/>
             <a:endParaRPr/>
@@ -2013,14 +2013,14 @@
         <p:spPr>
           <a:xfrm>
             <a:off x="457200" y="1604520"/>
-            <a:ext cx="4015440" cy="1896840"/>
-          </a:xfrm>
-          <a:prstGeom prst="rect">
-            <a:avLst/>
-          </a:prstGeom>
-        </p:spPr>
-        <p:txBody>
-          <a:bodyPr bIns="0" lIns="0" rIns="0" tIns="0" wrap="none"/>
+            <a:ext cx="4015800" cy="1896840"/>
+          </a:xfrm>
+          <a:prstGeom prst="rect">
+            <a:avLst/>
+          </a:prstGeom>
+        </p:spPr>
+        <p:txBody>
+          <a:bodyPr wrap="none" lIns="0" rIns="0" tIns="0" bIns="0"/>
           <a:p>
             <a:endParaRPr/>
           </a:p>
@@ -2038,15 +2038,15 @@
         </p:nvSpPr>
         <p:spPr>
           <a:xfrm>
-            <a:off x="457200" y="3681720"/>
-            <a:ext cx="4015440" cy="1896840"/>
-          </a:xfrm>
-          <a:prstGeom prst="rect">
-            <a:avLst/>
-          </a:prstGeom>
-        </p:spPr>
-        <p:txBody>
-          <a:bodyPr bIns="0" lIns="0" rIns="0" tIns="0" wrap="none"/>
+            <a:off x="457200" y="3682080"/>
+            <a:ext cx="4015800" cy="1896840"/>
+          </a:xfrm>
+          <a:prstGeom prst="rect">
+            <a:avLst/>
+          </a:prstGeom>
+        </p:spPr>
+        <p:txBody>
+          <a:bodyPr wrap="none" lIns="0" rIns="0" tIns="0" bIns="0"/>
           <a:p>
             <a:endParaRPr/>
           </a:p>
@@ -2064,15 +2064,15 @@
         </p:nvSpPr>
         <p:spPr>
           <a:xfrm>
-            <a:off x="4673520" y="1604520"/>
-            <a:ext cx="4015440" cy="3977280"/>
-          </a:xfrm>
-          <a:prstGeom prst="rect">
-            <a:avLst/>
-          </a:prstGeom>
-        </p:spPr>
-        <p:txBody>
-          <a:bodyPr bIns="0" lIns="0" rIns="0" tIns="0" wrap="none"/>
+            <a:off x="4674240" y="1604520"/>
+            <a:ext cx="4015800" cy="3976920"/>
+          </a:xfrm>
+          <a:prstGeom prst="rect">
+            <a:avLst/>
+          </a:prstGeom>
+        </p:spPr>
+        <p:txBody>
+          <a:bodyPr wrap="none" lIns="0" rIns="0" tIns="0" bIns="0"/>
           <a:p>
             <a:endParaRPr/>
           </a:p>
@@ -2084,7 +2084,7 @@
 </file>
 
 <file path=ppt/slideLayouts/slideLayout8.xml><?xml version="1.0" encoding="utf-8"?>
-<p:sldLayout xmlns:a="http://schemas.openxmlformats.org/drawingml/2006/main" xmlns:p="http://schemas.openxmlformats.org/presentationml/2006/main" xmlns:r="http://schemas.openxmlformats.org/officeDocument/2006/relationships" preserve="1" type="objAndTwoObj">
+<p:sldLayout xmlns:a="http://schemas.openxmlformats.org/drawingml/2006/main" xmlns:p="http://schemas.openxmlformats.org/presentationml/2006/main" xmlns:r="http://schemas.openxmlformats.org/officeDocument/2006/relationships" type="objAndTwoObj" preserve="1">
   <p:cSld name="Title Content and 2 Content">
     <p:spTree>
       <p:nvGrpSpPr>
@@ -2120,7 +2120,7 @@
           </a:prstGeom>
         </p:spPr>
         <p:txBody>
-          <a:bodyPr anchor="ctr" bIns="0" lIns="0" rIns="0" tIns="0" wrap="none"/>
+          <a:bodyPr wrap="none" lIns="0" rIns="0" tIns="0" bIns="0" anchor="ctr"/>
           <a:p>
             <a:pPr algn="ctr"/>
             <a:endParaRPr/>
@@ -2140,14 +2140,14 @@
         <p:spPr>
           <a:xfrm>
             <a:off x="457200" y="1604520"/>
-            <a:ext cx="4015440" cy="3977280"/>
-          </a:xfrm>
-          <a:prstGeom prst="rect">
-            <a:avLst/>
-          </a:prstGeom>
-        </p:spPr>
-        <p:txBody>
-          <a:bodyPr bIns="0" lIns="0" rIns="0" tIns="0" wrap="none"/>
+            <a:ext cx="4015800" cy="3976920"/>
+          </a:xfrm>
+          <a:prstGeom prst="rect">
+            <a:avLst/>
+          </a:prstGeom>
+        </p:spPr>
+        <p:txBody>
+          <a:bodyPr wrap="none" lIns="0" rIns="0" tIns="0" bIns="0"/>
           <a:p>
             <a:endParaRPr/>
           </a:p>
@@ -2165,15 +2165,15 @@
         </p:nvSpPr>
         <p:spPr>
           <a:xfrm>
-            <a:off x="4673520" y="1604520"/>
-            <a:ext cx="4015440" cy="1896840"/>
-          </a:xfrm>
-          <a:prstGeom prst="rect">
-            <a:avLst/>
-          </a:prstGeom>
-        </p:spPr>
-        <p:txBody>
-          <a:bodyPr bIns="0" lIns="0" rIns="0" tIns="0" wrap="none"/>
+            <a:off x="4674240" y="1604520"/>
+            <a:ext cx="4015800" cy="1896840"/>
+          </a:xfrm>
+          <a:prstGeom prst="rect">
+            <a:avLst/>
+          </a:prstGeom>
+        </p:spPr>
+        <p:txBody>
+          <a:bodyPr wrap="none" lIns="0" rIns="0" tIns="0" bIns="0"/>
           <a:p>
             <a:endParaRPr/>
           </a:p>
@@ -2191,15 +2191,15 @@
         </p:nvSpPr>
         <p:spPr>
           <a:xfrm>
-            <a:off x="4673520" y="3681720"/>
-            <a:ext cx="4015440" cy="1896840"/>
-          </a:xfrm>
-          <a:prstGeom prst="rect">
-            <a:avLst/>
-          </a:prstGeom>
-        </p:spPr>
-        <p:txBody>
-          <a:bodyPr bIns="0" lIns="0" rIns="0" tIns="0" wrap="none"/>
+            <a:off x="4674240" y="3682080"/>
+            <a:ext cx="4015800" cy="1896840"/>
+          </a:xfrm>
+          <a:prstGeom prst="rect">
+            <a:avLst/>
+          </a:prstGeom>
+        </p:spPr>
+        <p:txBody>
+          <a:bodyPr wrap="none" lIns="0" rIns="0" tIns="0" bIns="0"/>
           <a:p>
             <a:endParaRPr/>
           </a:p>
@@ -2211,7 +2211,7 @@
 </file>
 
 <file path=ppt/slideLayouts/slideLayout9.xml><?xml version="1.0" encoding="utf-8"?>
-<p:sldLayout xmlns:a="http://schemas.openxmlformats.org/drawingml/2006/main" xmlns:p="http://schemas.openxmlformats.org/presentationml/2006/main" xmlns:r="http://schemas.openxmlformats.org/officeDocument/2006/relationships" preserve="1" type="twoObjOverTx">
+<p:sldLayout xmlns:a="http://schemas.openxmlformats.org/drawingml/2006/main" xmlns:p="http://schemas.openxmlformats.org/presentationml/2006/main" xmlns:r="http://schemas.openxmlformats.org/officeDocument/2006/relationships" type="twoObjOverTx" preserve="1">
   <p:cSld name="Title, 2 Content over Content">
     <p:spTree>
       <p:nvGrpSpPr>
@@ -2247,7 +2247,7 @@
           </a:prstGeom>
         </p:spPr>
         <p:txBody>
-          <a:bodyPr anchor="ctr" bIns="0" lIns="0" rIns="0" tIns="0" wrap="none"/>
+          <a:bodyPr wrap="none" lIns="0" rIns="0" tIns="0" bIns="0" anchor="ctr"/>
           <a:p>
             <a:pPr algn="ctr"/>
             <a:endParaRPr/>
@@ -2267,14 +2267,14 @@
         <p:spPr>
           <a:xfrm>
             <a:off x="457200" y="1604520"/>
-            <a:ext cx="4015440" cy="1896840"/>
-          </a:xfrm>
-          <a:prstGeom prst="rect">
-            <a:avLst/>
-          </a:prstGeom>
-        </p:spPr>
-        <p:txBody>
-          <a:bodyPr bIns="0" lIns="0" rIns="0" tIns="0" wrap="none"/>
+            <a:ext cx="4015800" cy="1896840"/>
+          </a:xfrm>
+          <a:prstGeom prst="rect">
+            <a:avLst/>
+          </a:prstGeom>
+        </p:spPr>
+        <p:txBody>
+          <a:bodyPr wrap="none" lIns="0" rIns="0" tIns="0" bIns="0"/>
           <a:p>
             <a:endParaRPr/>
           </a:p>
@@ -2292,15 +2292,15 @@
         </p:nvSpPr>
         <p:spPr>
           <a:xfrm>
-            <a:off x="4673520" y="1604520"/>
-            <a:ext cx="4015440" cy="1896840"/>
-          </a:xfrm>
-          <a:prstGeom prst="rect">
-            <a:avLst/>
-          </a:prstGeom>
-        </p:spPr>
-        <p:txBody>
-          <a:bodyPr bIns="0" lIns="0" rIns="0" tIns="0" wrap="none"/>
+            <a:off x="4674240" y="1604520"/>
+            <a:ext cx="4015800" cy="1896840"/>
+          </a:xfrm>
+          <a:prstGeom prst="rect">
+            <a:avLst/>
+          </a:prstGeom>
+        </p:spPr>
+        <p:txBody>
+          <a:bodyPr wrap="none" lIns="0" rIns="0" tIns="0" bIns="0"/>
           <a:p>
             <a:endParaRPr/>
           </a:p>
@@ -2318,15 +2318,15 @@
         </p:nvSpPr>
         <p:spPr>
           <a:xfrm>
-            <a:off x="457200" y="3681720"/>
-            <a:ext cx="8228520" cy="1896840"/>
-          </a:xfrm>
-          <a:prstGeom prst="rect">
-            <a:avLst/>
-          </a:prstGeom>
-        </p:spPr>
-        <p:txBody>
-          <a:bodyPr bIns="0" lIns="0" rIns="0" tIns="0" wrap="none"/>
+            <a:off x="457200" y="3682080"/>
+            <a:ext cx="8229240" cy="1896840"/>
+          </a:xfrm>
+          <a:prstGeom prst="rect">
+            <a:avLst/>
+          </a:prstGeom>
+        </p:spPr>
+        <p:txBody>
+          <a:bodyPr wrap="none" lIns="0" rIns="0" tIns="0" bIns="0"/>
           <a:p>
             <a:endParaRPr/>
           </a:p>
@@ -2374,15 +2374,16 @@
         <p:spPr>
           <a:xfrm>
             <a:off x="457200" y="273600"/>
-            <a:ext cx="8228880" cy="1144800"/>
-          </a:xfrm>
-          <a:prstGeom prst="rect">
-            <a:avLst/>
-          </a:prstGeom>
-        </p:spPr>
-        <p:txBody>
-          <a:bodyPr anchor="ctr" bIns="0" lIns="0" rIns="0" tIns="0" wrap="none"/>
-          <a:p>
+            <a:ext cx="8229240" cy="1144800"/>
+          </a:xfrm>
+          <a:prstGeom prst="rect">
+            <a:avLst/>
+          </a:prstGeom>
+        </p:spPr>
+        <p:txBody>
+          <a:bodyPr wrap="none" lIns="0" rIns="0" tIns="0" bIns="0" anchor="ctr"/>
+          <a:p>
+            <a:pPr algn="ctr"/>
             <a:r>
               <a:rPr lang="en-US"/>
               <a:t>Click to edit the title text format</a:t>
@@ -2404,14 +2405,14 @@
         <p:spPr>
           <a:xfrm>
             <a:off x="457200" y="1604520"/>
-            <a:ext cx="8228880" cy="3976920"/>
-          </a:xfrm>
-          <a:prstGeom prst="rect">
-            <a:avLst/>
-          </a:prstGeom>
-        </p:spPr>
-        <p:txBody>
-          <a:bodyPr bIns="0" lIns="0" rIns="0" tIns="0" wrap="none"/>
+            <a:ext cx="8229240" cy="3976920"/>
+          </a:xfrm>
+          <a:prstGeom prst="rect">
+            <a:avLst/>
+          </a:prstGeom>
+        </p:spPr>
+        <p:txBody>
+          <a:bodyPr wrap="none" lIns="0" rIns="0" tIns="0" bIns="0"/>
           <a:p>
             <a:pPr>
               <a:buSzPct val="25000"/>
@@ -2500,7 +2501,7 @@
       </p:sp>
     </p:spTree>
   </p:cSld>
-  <p:clrMap accent1="accent1" accent2="accent2" accent3="accent3" accent4="accent4" accent5="accent5" accent6="accent6" bg1="lt1" bg2="lt2" folHlink="folHlink" hlink="hlink" tx1="dk1" tx2="dk2"/>
+  <p:clrMap bg1="lt1" bg2="lt2" tx1="dk1" tx2="dk2" accent1="accent1" accent2="accent2" accent3="accent3" accent4="accent4" accent5="accent5" accent6="accent6" hlink="hlink" folHlink="folHlink"/>
   <p:sldLayoutIdLst>
     <p:sldLayoutId id="2147483649" r:id="rId2"/>
     <p:sldLayoutId id="2147483650" r:id="rId3"/>
@@ -2562,7 +2563,7 @@
           </a:prstGeom>
         </p:spPr>
         <p:txBody>
-          <a:bodyPr anchor="ctr" bIns="0" lIns="0" rIns="0" tIns="0" wrap="none"/>
+          <a:bodyPr wrap="none" lIns="0" rIns="0" tIns="0" bIns="0" anchor="ctr"/>
           <a:p>
             <a:pPr algn="ctr"/>
             <a:r>
@@ -2586,14 +2587,14 @@
         <p:spPr>
           <a:xfrm>
             <a:off x="457200" y="1604520"/>
-            <a:ext cx="8229240" cy="3977280"/>
-          </a:xfrm>
-          <a:prstGeom prst="rect">
-            <a:avLst/>
-          </a:prstGeom>
-        </p:spPr>
-        <p:txBody>
-          <a:bodyPr bIns="0" lIns="0" rIns="0" tIns="0" wrap="none"/>
+            <a:ext cx="8229240" cy="3976920"/>
+          </a:xfrm>
+          <a:prstGeom prst="rect">
+            <a:avLst/>
+          </a:prstGeom>
+        </p:spPr>
+        <p:txBody>
+          <a:bodyPr wrap="none" lIns="0" rIns="0" tIns="0" bIns="0"/>
           <a:p>
             <a:pPr>
               <a:buSzPct val="25000"/>
@@ -2682,7 +2683,7 @@
       </p:sp>
     </p:spTree>
   </p:cSld>
-  <p:clrMap accent1="accent1" accent2="accent2" accent3="accent3" accent4="accent4" accent5="accent5" accent6="accent6" bg1="lt1" bg2="lt2" folHlink="folHlink" hlink="hlink" tx1="dk1" tx2="dk2"/>
+  <p:clrMap bg1="lt1" bg2="lt2" tx1="dk1" tx2="dk2" accent1="accent1" accent2="accent2" accent3="accent3" accent4="accent4" accent5="accent5" accent6="accent6" hlink="hlink" folHlink="folHlink"/>
   <p:sldLayoutIdLst>
     <p:sldLayoutId id="2147483662" r:id="rId2"/>
     <p:sldLayoutId id="2147483663" r:id="rId3"/>
@@ -2726,7 +2727,7 @@
         <p:spPr>
           <a:xfrm>
             <a:off x="683640" y="476640"/>
-            <a:ext cx="7771320" cy="1468800"/>
+            <a:ext cx="7770960" cy="1468440"/>
           </a:xfrm>
           <a:prstGeom prst="rect">
             <a:avLst/>
@@ -2737,7 +2738,7 @@
           </a:ln>
         </p:spPr>
         <p:txBody>
-          <a:bodyPr anchor="ctr" bIns="45000" lIns="90000" rIns="90000" tIns="45000"/>
+          <a:bodyPr lIns="90000" rIns="90000" tIns="45000" bIns="45000" anchor="ctr"/>
           <a:p>
             <a:pPr algn="ctr">
               <a:lnSpc>
@@ -2766,7 +2767,7 @@
         <p:spPr>
           <a:xfrm>
             <a:off x="1403640" y="1772640"/>
-            <a:ext cx="6399720" cy="1751400"/>
+            <a:ext cx="6399360" cy="1751040"/>
           </a:xfrm>
           <a:prstGeom prst="rect">
             <a:avLst/>
@@ -2777,7 +2778,7 @@
           </a:ln>
         </p:spPr>
         <p:txBody>
-          <a:bodyPr bIns="45000" lIns="90000" rIns="90000" tIns="45000"/>
+          <a:bodyPr lIns="90000" rIns="90000" tIns="45000" bIns="45000"/>
           <a:p>
             <a:pPr algn="ctr">
               <a:lnSpc>
@@ -2799,7 +2800,7 @@
       </p:sp>
       <p:pic>
         <p:nvPicPr>
-          <p:cNvPr descr="" id="74" name="Afbeelding 3"/>
+          <p:cNvPr id="74" name="Afbeelding 3" descr=""/>
           <p:cNvPicPr/>
           <p:nvPr/>
         </p:nvPicPr>
@@ -2812,7 +2813,7 @@
         <p:spPr>
           <a:xfrm>
             <a:off x="3204000" y="3357000"/>
-            <a:ext cx="2856600" cy="2856600"/>
+            <a:ext cx="2856240" cy="2856240"/>
           </a:xfrm>
           <a:prstGeom prst="rect">
             <a:avLst/>
@@ -2827,7 +2828,7 @@
   <p:timing>
     <p:tnLst>
       <p:par>
-        <p:cTn dur="indefinite" id="1" nodeType="tmRoot" restart="never">
+        <p:cTn id="1" dur="indefinite" restart="never" nodeType="tmRoot">
           <p:childTnLst>
             <p:seq>
               <p:cTn id="2" nodeType="mainSeq"/>
@@ -2880,7 +2881,7 @@
         <p:spPr>
           <a:xfrm>
             <a:off x="457200" y="274680"/>
-            <a:ext cx="8228520" cy="1141920"/>
+            <a:ext cx="8228160" cy="1141560"/>
           </a:xfrm>
           <a:prstGeom prst="rect">
             <a:avLst/>
@@ -2891,7 +2892,7 @@
           </a:ln>
         </p:spPr>
         <p:txBody>
-          <a:bodyPr anchor="ctr" bIns="45000" lIns="90000" rIns="90000" tIns="45000"/>
+          <a:bodyPr lIns="90000" rIns="90000" tIns="45000" bIns="45000" anchor="ctr"/>
           <a:p>
             <a:pPr algn="ctr">
               <a:lnSpc>
@@ -2920,7 +2921,7 @@
         <p:spPr>
           <a:xfrm>
             <a:off x="457200" y="1600200"/>
-            <a:ext cx="8228520" cy="4524840"/>
+            <a:ext cx="8228160" cy="4524480"/>
           </a:xfrm>
           <a:prstGeom prst="rect">
             <a:avLst/>
@@ -2931,7 +2932,7 @@
           </a:ln>
         </p:spPr>
         <p:txBody>
-          <a:bodyPr bIns="45000" lIns="90000" rIns="90000" tIns="45000"/>
+          <a:bodyPr lIns="90000" rIns="90000" tIns="45000" bIns="45000"/>
           <a:p>
             <a:pPr>
               <a:lnSpc>
@@ -3099,7 +3100,7 @@
   <p:timing>
     <p:tnLst>
       <p:par>
-        <p:cTn dur="indefinite" id="3" nodeType="tmRoot" restart="never">
+        <p:cTn id="3" dur="indefinite" restart="never" nodeType="tmRoot">
           <p:childTnLst>
             <p:seq>
               <p:cTn id="4" nodeType="mainSeq"/>
@@ -3152,7 +3153,7 @@
         <p:spPr>
           <a:xfrm>
             <a:off x="457200" y="274680"/>
-            <a:ext cx="8228520" cy="1141920"/>
+            <a:ext cx="8228160" cy="1141560"/>
           </a:xfrm>
           <a:prstGeom prst="rect">
             <a:avLst/>
@@ -3163,7 +3164,7 @@
           </a:ln>
         </p:spPr>
         <p:txBody>
-          <a:bodyPr anchor="ctr" bIns="45000" lIns="90000" rIns="90000" tIns="45000"/>
+          <a:bodyPr lIns="90000" rIns="90000" tIns="45000" bIns="45000" anchor="ctr"/>
           <a:p>
             <a:pPr algn="ctr">
               <a:lnSpc>
@@ -3192,7 +3193,7 @@
         <p:spPr>
           <a:xfrm>
             <a:off x="457200" y="1600200"/>
-            <a:ext cx="8228520" cy="4524840"/>
+            <a:ext cx="8228160" cy="4524480"/>
           </a:xfrm>
           <a:prstGeom prst="rect">
             <a:avLst/>
@@ -3203,7 +3204,7 @@
           </a:ln>
         </p:spPr>
         <p:txBody>
-          <a:bodyPr bIns="45000" lIns="90000" rIns="90000" tIns="45000"/>
+          <a:bodyPr lIns="90000" rIns="90000" tIns="45000" bIns="45000"/>
           <a:p>
             <a:pPr>
               <a:lnSpc>
@@ -3325,7 +3326,7 @@
   <p:timing>
     <p:tnLst>
       <p:par>
-        <p:cTn dur="indefinite" id="5" nodeType="tmRoot" restart="never">
+        <p:cTn id="5" dur="indefinite" restart="never" nodeType="tmRoot">
           <p:childTnLst>
             <p:seq>
               <p:cTn id="6" nodeType="mainSeq"/>
@@ -3377,8 +3378,8 @@
         </p:nvSpPr>
         <p:spPr>
           <a:xfrm>
-            <a:off x="2286000" y="480240"/>
-            <a:ext cx="4612320" cy="742680"/>
+            <a:off x="457200" y="274680"/>
+            <a:ext cx="8228160" cy="1141560"/>
           </a:xfrm>
           <a:prstGeom prst="rect">
             <a:avLst/>
@@ -3389,7 +3390,7 @@
           </a:ln>
         </p:spPr>
         <p:txBody>
-          <a:bodyPr bIns="45000" lIns="90000" rIns="90000" tIns="45000" wrap="none"/>
+          <a:bodyPr lIns="90000" rIns="90000" tIns="45000" bIns="45000" anchor="ctr"/>
           <a:p>
             <a:pPr algn="ctr">
               <a:lnSpc>
@@ -3417,8 +3418,8 @@
         </p:nvSpPr>
         <p:spPr>
           <a:xfrm>
-            <a:off x="432000" y="1371600"/>
-            <a:ext cx="3773880" cy="5295240"/>
+            <a:off x="457200" y="1600200"/>
+            <a:ext cx="8228160" cy="4524480"/>
           </a:xfrm>
           <a:prstGeom prst="rect">
             <a:avLst/>
@@ -3429,12 +3430,14 @@
           </a:ln>
         </p:spPr>
         <p:txBody>
-          <a:bodyPr bIns="45000" lIns="90000" rIns="90000" tIns="45000" wrap="none"/>
+          <a:bodyPr lIns="90000" rIns="90000" tIns="45000" bIns="45000"/>
           <a:p>
             <a:pPr>
               <a:lnSpc>
                 <a:spcPct val="100000"/>
               </a:lnSpc>
+              <a:buFont typeface="Arial"/>
+              <a:buChar char="•"/>
             </a:pPr>
             <a:r>
               <a:rPr lang="en-US" sz="3200">
@@ -3443,439 +3446,103 @@
                 </a:solidFill>
                 <a:latin typeface="Calibri"/>
               </a:rPr>
-              <a:t>- Scheme</a:t>
-            </a:r>
-            <a:endParaRPr/>
-          </a:p>
-          <a:p>
-            <a:pPr>
-              <a:lnSpc>
-                <a:spcPct val="100000"/>
-              </a:lnSpc>
-            </a:pPr>
-            <a:r>
-              <a:rPr lang="en-US" sz="2600">
-                <a:solidFill>
-                  <a:srgbClr val="000000"/>
-                </a:solidFill>
-                <a:latin typeface="Calibri"/>
-              </a:rPr>
-              <a:t>(define x 2)</a:t>
-            </a:r>
-            <a:endParaRPr/>
-          </a:p>
-          <a:p>
-            <a:pPr>
-              <a:lnSpc>
-                <a:spcPct val="100000"/>
-              </a:lnSpc>
-            </a:pPr>
-            <a:endParaRPr/>
-          </a:p>
-          <a:p>
-            <a:pPr>
-              <a:lnSpc>
-                <a:spcPct val="100000"/>
-              </a:lnSpc>
-            </a:pPr>
-            <a:r>
-              <a:rPr lang="en-US" sz="2600">
-                <a:solidFill>
-                  <a:srgbClr val="000000"/>
-                </a:solidFill>
-                <a:latin typeface="Calibri"/>
-              </a:rPr>
-              <a:t>(define square</a:t>
-            </a:r>
-            <a:endParaRPr/>
-          </a:p>
-          <a:p>
-            <a:pPr>
-              <a:lnSpc>
-                <a:spcPct val="100000"/>
-              </a:lnSpc>
-            </a:pPr>
-            <a:r>
-              <a:rPr lang="en-US" sz="2600">
-                <a:solidFill>
-                  <a:srgbClr val="000000"/>
-                </a:solidFill>
-                <a:latin typeface="Calibri"/>
-              </a:rPr>
-              <a:t>   </a:t>
-            </a:r>
-            <a:r>
-              <a:rPr lang="en-US" sz="2600">
-                <a:solidFill>
-                  <a:srgbClr val="000000"/>
-                </a:solidFill>
-                <a:latin typeface="Calibri"/>
-              </a:rPr>
-              <a:t>(lambda (a)</a:t>
-            </a:r>
-            <a:endParaRPr/>
-          </a:p>
-          <a:p>
-            <a:pPr>
-              <a:lnSpc>
-                <a:spcPct val="100000"/>
-              </a:lnSpc>
-            </a:pPr>
-            <a:r>
-              <a:rPr lang="en-US" sz="2600">
-                <a:solidFill>
-                  <a:srgbClr val="000000"/>
-                </a:solidFill>
-                <a:latin typeface="Calibri"/>
-              </a:rPr>
-              <a:t>	</a:t>
-            </a:r>
-            <a:r>
-              <a:rPr lang="en-US" sz="2600">
-                <a:solidFill>
-                  <a:srgbClr val="000000"/>
-                </a:solidFill>
-                <a:latin typeface="Calibri"/>
-              </a:rPr>
-              <a:t>  </a:t>
-            </a:r>
-            <a:r>
-              <a:rPr lang="en-US" sz="2600">
-                <a:solidFill>
-                  <a:srgbClr val="000000"/>
-                </a:solidFill>
-                <a:latin typeface="Calibri"/>
-              </a:rPr>
-              <a:t>(* a a))) </a:t>
-            </a:r>
-            <a:endParaRPr/>
-          </a:p>
-          <a:p>
-            <a:pPr>
-              <a:lnSpc>
-                <a:spcPct val="100000"/>
-              </a:lnSpc>
-            </a:pPr>
-            <a:endParaRPr/>
-          </a:p>
-          <a:p>
-            <a:pPr>
-              <a:lnSpc>
-                <a:spcPct val="100000"/>
-              </a:lnSpc>
-            </a:pPr>
-            <a:r>
-              <a:rPr lang="en-US" sz="2600">
-                <a:solidFill>
-                  <a:srgbClr val="000000"/>
-                </a:solidFill>
-                <a:latin typeface="Calibri"/>
-              </a:rPr>
-              <a:t>(square 5)</a:t>
-            </a:r>
-            <a:endParaRPr/>
-          </a:p>
-          <a:p>
-            <a:pPr>
-              <a:lnSpc>
-                <a:spcPct val="100000"/>
-              </a:lnSpc>
-            </a:pPr>
-            <a:endParaRPr/>
-          </a:p>
-          <a:p>
-            <a:pPr>
-              <a:lnSpc>
-                <a:spcPct val="100000"/>
-              </a:lnSpc>
-            </a:pPr>
-            <a:r>
-              <a:rPr lang="en-US" sz="2600">
-                <a:solidFill>
-                  <a:srgbClr val="000000"/>
-                </a:solidFill>
-                <a:latin typeface="Calibri"/>
-              </a:rPr>
-              <a:t>(if (&lt; a b)</a:t>
-            </a:r>
-            <a:endParaRPr/>
-          </a:p>
-          <a:p>
-            <a:pPr>
-              <a:lnSpc>
-                <a:spcPct val="100000"/>
-              </a:lnSpc>
-            </a:pPr>
-            <a:r>
-              <a:rPr lang="en-US" sz="2600">
-                <a:solidFill>
-                  <a:srgbClr val="000000"/>
-                </a:solidFill>
-                <a:latin typeface="Calibri"/>
-              </a:rPr>
-              <a:t>  </a:t>
-            </a:r>
-            <a:r>
-              <a:rPr lang="en-US" sz="2600">
-                <a:solidFill>
-                  <a:srgbClr val="000000"/>
-                </a:solidFill>
-                <a:latin typeface="Calibri"/>
-              </a:rPr>
-              <a:t>(quote  a)</a:t>
-            </a:r>
-            <a:endParaRPr/>
-          </a:p>
-          <a:p>
-            <a:pPr>
-              <a:lnSpc>
-                <a:spcPct val="100000"/>
-              </a:lnSpc>
-            </a:pPr>
-            <a:r>
-              <a:rPr lang="en-US" sz="2600">
-                <a:solidFill>
-                  <a:srgbClr val="000000"/>
-                </a:solidFill>
-                <a:latin typeface="Calibri"/>
-              </a:rPr>
-              <a:t>  </a:t>
-            </a:r>
-            <a:r>
-              <a:rPr lang="en-US" sz="2600">
-                <a:solidFill>
-                  <a:srgbClr val="000000"/>
-                </a:solidFill>
-                <a:latin typeface="Calibri"/>
-              </a:rPr>
-              <a:t>(quote  b))</a:t>
-            </a:r>
-            <a:endParaRPr/>
-          </a:p>
-          <a:p>
-            <a:pPr>
-              <a:lnSpc>
-                <a:spcPct val="100000"/>
-              </a:lnSpc>
-            </a:pPr>
-            <a:endParaRPr/>
-          </a:p>
-        </p:txBody>
-      </p:sp>
-      <p:sp>
-        <p:nvSpPr>
-          <p:cNvPr id="81" name="CustomShape 3"/>
-          <p:cNvSpPr/>
-          <p:nvPr/>
-        </p:nvSpPr>
-        <p:spPr>
-          <a:xfrm>
-            <a:off x="4023360" y="1371600"/>
-            <a:ext cx="3382920" cy="5027040"/>
-          </a:xfrm>
-          <a:prstGeom prst="rect">
-            <a:avLst/>
-          </a:prstGeom>
-          <a:noFill/>
-          <a:ln>
-            <a:noFill/>
-          </a:ln>
-        </p:spPr>
-        <p:txBody>
-          <a:bodyPr bIns="45000" lIns="90000" rIns="90000" tIns="45000" wrap="none"/>
-          <a:p>
-            <a:pPr>
-              <a:lnSpc>
-                <a:spcPct val="100000"/>
-              </a:lnSpc>
-            </a:pPr>
-            <a:r>
-              <a:rPr lang="en-US" sz="3600">
-                <a:solidFill>
-                  <a:srgbClr val="000000"/>
-                </a:solidFill>
-                <a:latin typeface="Calibri"/>
-              </a:rPr>
-              <a:t>-C++</a:t>
-            </a:r>
-            <a:endParaRPr/>
-          </a:p>
-          <a:p>
-            <a:pPr>
-              <a:lnSpc>
-                <a:spcPct val="100000"/>
-              </a:lnSpc>
-            </a:pPr>
-            <a:r>
-              <a:rPr lang="en-US" sz="2600">
-                <a:solidFill>
-                  <a:srgbClr val="000000"/>
-                </a:solidFill>
-                <a:latin typeface="Calibri"/>
-              </a:rPr>
-              <a:t>int x = 2;</a:t>
-            </a:r>
-            <a:endParaRPr/>
-          </a:p>
-          <a:p>
-            <a:pPr>
-              <a:lnSpc>
-                <a:spcPct val="100000"/>
-              </a:lnSpc>
-            </a:pPr>
-            <a:endParaRPr/>
-          </a:p>
-          <a:p>
-            <a:pPr>
-              <a:lnSpc>
-                <a:spcPct val="100000"/>
-              </a:lnSpc>
-            </a:pPr>
-            <a:r>
-              <a:rPr lang="en-US" sz="2600">
-                <a:solidFill>
-                  <a:srgbClr val="000000"/>
-                </a:solidFill>
-                <a:latin typeface="Calibri"/>
-              </a:rPr>
-              <a:t>int square(int a){</a:t>
-            </a:r>
-            <a:endParaRPr/>
-          </a:p>
-          <a:p>
-            <a:pPr>
-              <a:lnSpc>
-                <a:spcPct val="100000"/>
-              </a:lnSpc>
-            </a:pPr>
-            <a:r>
-              <a:rPr lang="en-US" sz="2600">
-                <a:solidFill>
-                  <a:srgbClr val="000000"/>
-                </a:solidFill>
-                <a:latin typeface="Calibri"/>
-              </a:rPr>
-              <a:t>	</a:t>
-            </a:r>
-            <a:r>
-              <a:rPr lang="en-US" sz="2600">
-                <a:solidFill>
-                  <a:srgbClr val="000000"/>
-                </a:solidFill>
-                <a:latin typeface="Calibri"/>
-              </a:rPr>
-              <a:t>return a*a;  </a:t>
-            </a:r>
-            <a:endParaRPr/>
-          </a:p>
-          <a:p>
-            <a:pPr>
-              <a:lnSpc>
-                <a:spcPct val="100000"/>
-              </a:lnSpc>
-            </a:pPr>
-            <a:r>
-              <a:rPr lang="en-US" sz="2600">
-                <a:solidFill>
-                  <a:srgbClr val="000000"/>
-                </a:solidFill>
-                <a:latin typeface="Calibri"/>
-              </a:rPr>
-              <a:t>} </a:t>
-            </a:r>
-            <a:endParaRPr/>
-          </a:p>
-          <a:p>
-            <a:pPr>
-              <a:lnSpc>
-                <a:spcPct val="100000"/>
-              </a:lnSpc>
-            </a:pPr>
-            <a:endParaRPr/>
-          </a:p>
-          <a:p>
-            <a:pPr>
-              <a:lnSpc>
-                <a:spcPct val="100000"/>
-              </a:lnSpc>
-            </a:pPr>
-            <a:r>
-              <a:rPr lang="en-US" sz="2600">
-                <a:solidFill>
-                  <a:srgbClr val="000000"/>
-                </a:solidFill>
-                <a:latin typeface="Calibri"/>
-              </a:rPr>
-              <a:t>square(5)</a:t>
-            </a:r>
-            <a:endParaRPr/>
-          </a:p>
-          <a:p>
-            <a:pPr>
-              <a:lnSpc>
-                <a:spcPct val="100000"/>
-              </a:lnSpc>
-            </a:pPr>
-            <a:endParaRPr/>
-          </a:p>
-          <a:p>
-            <a:pPr>
-              <a:lnSpc>
-                <a:spcPct val="100000"/>
-              </a:lnSpc>
-            </a:pPr>
-            <a:r>
-              <a:rPr lang="en-US" sz="2600">
-                <a:solidFill>
-                  <a:srgbClr val="000000"/>
-                </a:solidFill>
-                <a:latin typeface="Calibri"/>
-              </a:rPr>
-              <a:t>if (a&lt;b) cout&lt;&lt; a;</a:t>
-            </a:r>
-            <a:endParaRPr/>
-          </a:p>
-          <a:p>
-            <a:pPr>
-              <a:lnSpc>
-                <a:spcPct val="100000"/>
-              </a:lnSpc>
-            </a:pPr>
-            <a:r>
-              <a:rPr lang="en-US" sz="2600">
-                <a:solidFill>
-                  <a:srgbClr val="000000"/>
-                </a:solidFill>
-                <a:latin typeface="Calibri"/>
-              </a:rPr>
-              <a:t>else     </a:t>
-            </a:r>
-            <a:r>
-              <a:rPr lang="en-US" sz="2600">
-                <a:solidFill>
-                  <a:srgbClr val="000000"/>
-                </a:solidFill>
-                <a:latin typeface="Calibri"/>
-              </a:rPr>
-              <a:t>	</a:t>
-            </a:r>
-            <a:r>
-              <a:rPr lang="en-US" sz="2600">
-                <a:solidFill>
-                  <a:srgbClr val="000000"/>
-                </a:solidFill>
-                <a:latin typeface="Calibri"/>
-              </a:rPr>
-              <a:t>cout&lt;&lt; b; </a:t>
-            </a:r>
-            <a:endParaRPr/>
-          </a:p>
-          <a:p>
-            <a:pPr>
-              <a:lnSpc>
-                <a:spcPct val="100000"/>
-              </a:lnSpc>
-            </a:pPr>
+              <a:t>Lijsten</a:t>
+            </a:r>
+            <a:endParaRPr/>
+          </a:p>
+          <a:p>
+            <a:pPr lvl="1">
+              <a:lnSpc>
+                <a:spcPct val="100000"/>
+              </a:lnSpc>
+              <a:buFont typeface="Arial"/>
+              <a:buChar char="–"/>
+            </a:pPr>
+            <a:r>
+              <a:rPr lang="en-US" sz="2800">
+                <a:solidFill>
+                  <a:srgbClr val="000000"/>
+                </a:solidFill>
+                <a:latin typeface="Calibri"/>
+              </a:rPr>
+              <a:t>(34 267 1 23)</a:t>
+            </a:r>
+            <a:endParaRPr/>
+          </a:p>
+          <a:p>
+            <a:pPr lvl="1">
+              <a:lnSpc>
+                <a:spcPct val="100000"/>
+              </a:lnSpc>
+              <a:buFont typeface="Arial"/>
+              <a:buChar char="–"/>
+            </a:pPr>
+            <a:r>
+              <a:rPr lang="en-US" sz="2800">
+                <a:solidFill>
+                  <a:srgbClr val="000000"/>
+                </a:solidFill>
+                <a:latin typeface="Calibri"/>
+              </a:rPr>
+              <a:t>(+ 7 9)</a:t>
+            </a:r>
+            <a:endParaRPr/>
+          </a:p>
+          <a:p>
+            <a:pPr lvl="1">
+              <a:lnSpc>
+                <a:spcPct val="100000"/>
+              </a:lnSpc>
+              <a:buFont typeface="Arial"/>
+              <a:buChar char="–"/>
+            </a:pPr>
+            <a:r>
+              <a:rPr lang="en-US" sz="2800">
+                <a:solidFill>
+                  <a:srgbClr val="000000"/>
+                </a:solidFill>
+                <a:latin typeface="Calibri"/>
+              </a:rPr>
+              <a:t>(define x 3)</a:t>
+            </a:r>
+            <a:endParaRPr/>
+          </a:p>
+          <a:p>
+            <a:pPr lvl="1">
+              <a:lnSpc>
+                <a:spcPct val="100000"/>
+              </a:lnSpc>
+              <a:buFont typeface="Arial"/>
+              <a:buChar char="–"/>
+            </a:pPr>
+            <a:r>
+              <a:rPr lang="en-US" sz="2800">
+                <a:solidFill>
+                  <a:srgbClr val="000000"/>
+                </a:solidFill>
+                <a:latin typeface="Calibri"/>
+              </a:rPr>
+              <a:t>(define square (lamba a  (* a a)))</a:t>
+            </a:r>
+            <a:endParaRPr/>
+          </a:p>
+          <a:p>
+            <a:pPr lvl="1">
+              <a:lnSpc>
+                <a:spcPct val="100000"/>
+              </a:lnSpc>
+              <a:buFont typeface="Arial"/>
+              <a:buChar char="–"/>
+            </a:pPr>
+            <a:r>
+              <a:rPr lang="en-US" sz="2800">
+                <a:solidFill>
+                  <a:srgbClr val="000000"/>
+                </a:solidFill>
+                <a:latin typeface="Calibri"/>
+              </a:rPr>
+              <a:t>(square 4)</a:t>
+            </a:r>
             <a:endParaRPr/>
           </a:p>
         </p:txBody>
@@ -3885,7 +3552,7 @@
   <p:timing>
     <p:tnLst>
       <p:par>
-        <p:cTn dur="indefinite" id="7" nodeType="tmRoot" restart="never">
+        <p:cTn id="7" dur="indefinite" restart="never" nodeType="tmRoot">
           <p:childTnLst>
             <p:seq>
               <p:cTn id="8" nodeType="mainSeq"/>
@@ -3931,14 +3598,14 @@
       </p:grpSpPr>
       <p:sp>
         <p:nvSpPr>
-          <p:cNvPr id="82" name="CustomShape 1"/>
+          <p:cNvPr id="81" name="CustomShape 1"/>
           <p:cNvSpPr/>
           <p:nvPr/>
         </p:nvSpPr>
         <p:spPr>
           <a:xfrm>
-            <a:off x="457200" y="274680"/>
-            <a:ext cx="8228520" cy="1141920"/>
+            <a:off x="2286000" y="480240"/>
+            <a:ext cx="4611960" cy="742320"/>
           </a:xfrm>
           <a:prstGeom prst="rect">
             <a:avLst/>
@@ -3949,7 +3616,7 @@
           </a:ln>
         </p:spPr>
         <p:txBody>
-          <a:bodyPr anchor="ctr" bIns="45000" lIns="90000" rIns="90000" tIns="45000"/>
+          <a:bodyPr wrap="none" lIns="90000" rIns="90000" tIns="45000" bIns="45000"/>
           <a:p>
             <a:pPr algn="ctr">
               <a:lnSpc>
@@ -3971,14 +3638,14 @@
       </p:sp>
       <p:sp>
         <p:nvSpPr>
-          <p:cNvPr id="83" name="CustomShape 2"/>
+          <p:cNvPr id="82" name="CustomShape 2"/>
           <p:cNvSpPr/>
           <p:nvPr/>
         </p:nvSpPr>
         <p:spPr>
           <a:xfrm>
-            <a:off x="457200" y="1600200"/>
-            <a:ext cx="8228520" cy="4524840"/>
+            <a:off x="432000" y="1371600"/>
+            <a:ext cx="3773520" cy="5294880"/>
           </a:xfrm>
           <a:prstGeom prst="rect">
             <a:avLst/>
@@ -3989,14 +3656,12 @@
           </a:ln>
         </p:spPr>
         <p:txBody>
-          <a:bodyPr bIns="45000" lIns="90000" rIns="90000" tIns="45000"/>
+          <a:bodyPr wrap="none" lIns="90000" rIns="90000" tIns="45000" bIns="45000"/>
           <a:p>
             <a:pPr>
               <a:lnSpc>
                 <a:spcPct val="100000"/>
               </a:lnSpc>
-              <a:buFont typeface="Arial"/>
-              <a:buChar char="•"/>
             </a:pPr>
             <a:r>
               <a:rPr lang="en-US" sz="3200">
@@ -4005,103 +3670,439 @@
                 </a:solidFill>
                 <a:latin typeface="Calibri"/>
               </a:rPr>
-              <a:t>Lijsten</a:t>
-            </a:r>
-            <a:endParaRPr/>
-          </a:p>
-          <a:p>
-            <a:pPr lvl="1">
-              <a:lnSpc>
-                <a:spcPct val="100000"/>
-              </a:lnSpc>
-              <a:buFont typeface="Arial"/>
-              <a:buChar char="–"/>
-            </a:pPr>
-            <a:r>
-              <a:rPr lang="en-US" sz="2800">
-                <a:solidFill>
-                  <a:srgbClr val="000000"/>
-                </a:solidFill>
-                <a:latin typeface="Calibri"/>
-              </a:rPr>
-              <a:t>(34 267 1 23)</a:t>
-            </a:r>
-            <a:endParaRPr/>
-          </a:p>
-          <a:p>
-            <a:pPr lvl="1">
-              <a:lnSpc>
-                <a:spcPct val="100000"/>
-              </a:lnSpc>
-              <a:buFont typeface="Arial"/>
-              <a:buChar char="–"/>
-            </a:pPr>
-            <a:r>
-              <a:rPr lang="en-US" sz="2800">
-                <a:solidFill>
-                  <a:srgbClr val="000000"/>
-                </a:solidFill>
-                <a:latin typeface="Calibri"/>
-              </a:rPr>
-              <a:t>(+ 7 9)</a:t>
-            </a:r>
-            <a:endParaRPr/>
-          </a:p>
-          <a:p>
-            <a:pPr lvl="1">
-              <a:lnSpc>
-                <a:spcPct val="100000"/>
-              </a:lnSpc>
-              <a:buFont typeface="Arial"/>
-              <a:buChar char="–"/>
-            </a:pPr>
-            <a:r>
-              <a:rPr lang="en-US" sz="2800">
-                <a:solidFill>
-                  <a:srgbClr val="000000"/>
-                </a:solidFill>
-                <a:latin typeface="Calibri"/>
-              </a:rPr>
-              <a:t>(define x 3)</a:t>
-            </a:r>
-            <a:endParaRPr/>
-          </a:p>
-          <a:p>
-            <a:pPr lvl="1">
-              <a:lnSpc>
-                <a:spcPct val="100000"/>
-              </a:lnSpc>
-              <a:buFont typeface="Arial"/>
-              <a:buChar char="–"/>
-            </a:pPr>
-            <a:r>
-              <a:rPr lang="en-US" sz="2800">
-                <a:solidFill>
-                  <a:srgbClr val="000000"/>
-                </a:solidFill>
-                <a:latin typeface="Calibri"/>
-              </a:rPr>
-              <a:t>(define square (lamba a  (* a a)))</a:t>
-            </a:r>
-            <a:endParaRPr/>
-          </a:p>
-          <a:p>
-            <a:pPr lvl="1">
-              <a:lnSpc>
-                <a:spcPct val="100000"/>
-              </a:lnSpc>
-              <a:buFont typeface="Arial"/>
-              <a:buChar char="–"/>
-            </a:pPr>
-            <a:r>
-              <a:rPr lang="en-US" sz="2800">
-                <a:solidFill>
-                  <a:srgbClr val="000000"/>
-                </a:solidFill>
-                <a:latin typeface="Calibri"/>
-              </a:rPr>
-              <a:t>(square 4)</a:t>
-            </a:r>
+              <a:t>- Scheme</a:t>
+            </a:r>
+            <a:endParaRPr/>
+          </a:p>
+          <a:p>
+            <a:pPr>
+              <a:lnSpc>
+                <a:spcPct val="100000"/>
+              </a:lnSpc>
+            </a:pPr>
+            <a:r>
+              <a:rPr lang="en-US" sz="2600">
+                <a:solidFill>
+                  <a:srgbClr val="000000"/>
+                </a:solidFill>
+                <a:latin typeface="Calibri"/>
+              </a:rPr>
+              <a:t>(define x 2)</a:t>
+            </a:r>
+            <a:endParaRPr/>
+          </a:p>
+          <a:p>
+            <a:pPr>
+              <a:lnSpc>
+                <a:spcPct val="100000"/>
+              </a:lnSpc>
+            </a:pPr>
+            <a:endParaRPr/>
+          </a:p>
+          <a:p>
+            <a:pPr>
+              <a:lnSpc>
+                <a:spcPct val="100000"/>
+              </a:lnSpc>
+            </a:pPr>
+            <a:r>
+              <a:rPr lang="en-US" sz="2600">
+                <a:solidFill>
+                  <a:srgbClr val="000000"/>
+                </a:solidFill>
+                <a:latin typeface="Calibri"/>
+              </a:rPr>
+              <a:t>(define square</a:t>
+            </a:r>
+            <a:endParaRPr/>
+          </a:p>
+          <a:p>
+            <a:pPr>
+              <a:lnSpc>
+                <a:spcPct val="100000"/>
+              </a:lnSpc>
+            </a:pPr>
+            <a:r>
+              <a:rPr lang="en-US" sz="2600">
+                <a:solidFill>
+                  <a:srgbClr val="000000"/>
+                </a:solidFill>
+                <a:latin typeface="Calibri"/>
+              </a:rPr>
+              <a:t>   </a:t>
+            </a:r>
+            <a:r>
+              <a:rPr lang="en-US" sz="2600">
+                <a:solidFill>
+                  <a:srgbClr val="000000"/>
+                </a:solidFill>
+                <a:latin typeface="Calibri"/>
+              </a:rPr>
+              <a:t>(lambda (a)</a:t>
+            </a:r>
+            <a:endParaRPr/>
+          </a:p>
+          <a:p>
+            <a:pPr>
+              <a:lnSpc>
+                <a:spcPct val="100000"/>
+              </a:lnSpc>
+            </a:pPr>
+            <a:r>
+              <a:rPr lang="en-US" sz="2600">
+                <a:solidFill>
+                  <a:srgbClr val="000000"/>
+                </a:solidFill>
+                <a:latin typeface="Calibri"/>
+              </a:rPr>
+              <a:t>	</a:t>
+            </a:r>
+            <a:r>
+              <a:rPr lang="en-US" sz="2600">
+                <a:solidFill>
+                  <a:srgbClr val="000000"/>
+                </a:solidFill>
+                <a:latin typeface="Calibri"/>
+              </a:rPr>
+              <a:t>  </a:t>
+            </a:r>
+            <a:r>
+              <a:rPr lang="en-US" sz="2600">
+                <a:solidFill>
+                  <a:srgbClr val="000000"/>
+                </a:solidFill>
+                <a:latin typeface="Calibri"/>
+              </a:rPr>
+              <a:t>(* a a))) </a:t>
+            </a:r>
+            <a:endParaRPr/>
+          </a:p>
+          <a:p>
+            <a:pPr>
+              <a:lnSpc>
+                <a:spcPct val="100000"/>
+              </a:lnSpc>
+            </a:pPr>
+            <a:endParaRPr/>
+          </a:p>
+          <a:p>
+            <a:pPr>
+              <a:lnSpc>
+                <a:spcPct val="100000"/>
+              </a:lnSpc>
+            </a:pPr>
+            <a:r>
+              <a:rPr lang="en-US" sz="2600">
+                <a:solidFill>
+                  <a:srgbClr val="000000"/>
+                </a:solidFill>
+                <a:latin typeface="Calibri"/>
+              </a:rPr>
+              <a:t>(square 5)</a:t>
+            </a:r>
+            <a:endParaRPr/>
+          </a:p>
+          <a:p>
+            <a:pPr>
+              <a:lnSpc>
+                <a:spcPct val="100000"/>
+              </a:lnSpc>
+            </a:pPr>
+            <a:endParaRPr/>
+          </a:p>
+          <a:p>
+            <a:pPr>
+              <a:lnSpc>
+                <a:spcPct val="100000"/>
+              </a:lnSpc>
+            </a:pPr>
+            <a:r>
+              <a:rPr lang="en-US" sz="2600">
+                <a:solidFill>
+                  <a:srgbClr val="000000"/>
+                </a:solidFill>
+                <a:latin typeface="Calibri"/>
+              </a:rPr>
+              <a:t>(if (&lt; a b)</a:t>
+            </a:r>
+            <a:endParaRPr/>
+          </a:p>
+          <a:p>
+            <a:pPr>
+              <a:lnSpc>
+                <a:spcPct val="100000"/>
+              </a:lnSpc>
+            </a:pPr>
+            <a:r>
+              <a:rPr lang="en-US" sz="2600">
+                <a:solidFill>
+                  <a:srgbClr val="000000"/>
+                </a:solidFill>
+                <a:latin typeface="Calibri"/>
+              </a:rPr>
+              <a:t>  </a:t>
+            </a:r>
+            <a:r>
+              <a:rPr lang="en-US" sz="2600">
+                <a:solidFill>
+                  <a:srgbClr val="000000"/>
+                </a:solidFill>
+                <a:latin typeface="Calibri"/>
+              </a:rPr>
+              <a:t>(quote  a)</a:t>
+            </a:r>
+            <a:endParaRPr/>
+          </a:p>
+          <a:p>
+            <a:pPr>
+              <a:lnSpc>
+                <a:spcPct val="100000"/>
+              </a:lnSpc>
+            </a:pPr>
+            <a:r>
+              <a:rPr lang="en-US" sz="2600">
+                <a:solidFill>
+                  <a:srgbClr val="000000"/>
+                </a:solidFill>
+                <a:latin typeface="Calibri"/>
+              </a:rPr>
+              <a:t>  </a:t>
+            </a:r>
+            <a:r>
+              <a:rPr lang="en-US" sz="2600">
+                <a:solidFill>
+                  <a:srgbClr val="000000"/>
+                </a:solidFill>
+                <a:latin typeface="Calibri"/>
+              </a:rPr>
+              <a:t>(quote  b))</a:t>
+            </a:r>
+            <a:endParaRPr/>
+          </a:p>
+          <a:p>
+            <a:pPr>
+              <a:lnSpc>
+                <a:spcPct val="100000"/>
+              </a:lnSpc>
+            </a:pPr>
+            <a:endParaRPr/>
+          </a:p>
+        </p:txBody>
+      </p:sp>
+      <p:sp>
+        <p:nvSpPr>
+          <p:cNvPr id="83" name="CustomShape 3"/>
+          <p:cNvSpPr/>
+          <p:nvPr/>
+        </p:nvSpPr>
+        <p:spPr>
+          <a:xfrm>
+            <a:off x="4023360" y="1371600"/>
+            <a:ext cx="3382560" cy="5026680"/>
+          </a:xfrm>
+          <a:prstGeom prst="rect">
+            <a:avLst/>
+          </a:prstGeom>
+          <a:noFill/>
+          <a:ln>
+            <a:noFill/>
+          </a:ln>
+        </p:spPr>
+        <p:txBody>
+          <a:bodyPr wrap="none" lIns="90000" rIns="90000" tIns="45000" bIns="45000"/>
+          <a:p>
+            <a:pPr>
+              <a:lnSpc>
+                <a:spcPct val="100000"/>
+              </a:lnSpc>
+            </a:pPr>
+            <a:r>
+              <a:rPr lang="en-US" sz="3600">
+                <a:solidFill>
+                  <a:srgbClr val="000000"/>
+                </a:solidFill>
+                <a:latin typeface="Calibri"/>
+              </a:rPr>
+              <a:t>-C++</a:t>
+            </a:r>
+            <a:endParaRPr/>
+          </a:p>
+          <a:p>
+            <a:pPr>
+              <a:lnSpc>
+                <a:spcPct val="100000"/>
+              </a:lnSpc>
+            </a:pPr>
+            <a:r>
+              <a:rPr lang="en-US" sz="2600">
+                <a:solidFill>
+                  <a:srgbClr val="000000"/>
+                </a:solidFill>
+                <a:latin typeface="Calibri"/>
+              </a:rPr>
+              <a:t>int x = 2;</a:t>
+            </a:r>
+            <a:endParaRPr/>
+          </a:p>
+          <a:p>
+            <a:pPr>
+              <a:lnSpc>
+                <a:spcPct val="100000"/>
+              </a:lnSpc>
+            </a:pPr>
+            <a:endParaRPr/>
+          </a:p>
+          <a:p>
+            <a:pPr>
+              <a:lnSpc>
+                <a:spcPct val="100000"/>
+              </a:lnSpc>
+            </a:pPr>
+            <a:r>
+              <a:rPr lang="en-US" sz="2600">
+                <a:solidFill>
+                  <a:srgbClr val="000000"/>
+                </a:solidFill>
+                <a:latin typeface="Calibri"/>
+              </a:rPr>
+              <a:t>int square(int a){</a:t>
+            </a:r>
+            <a:endParaRPr/>
+          </a:p>
+          <a:p>
+            <a:pPr>
+              <a:lnSpc>
+                <a:spcPct val="100000"/>
+              </a:lnSpc>
+            </a:pPr>
+            <a:r>
+              <a:rPr lang="en-US" sz="2600">
+                <a:solidFill>
+                  <a:srgbClr val="000000"/>
+                </a:solidFill>
+                <a:latin typeface="Calibri"/>
+              </a:rPr>
+              <a:t>	</a:t>
+            </a:r>
+            <a:r>
+              <a:rPr lang="en-US" sz="2600">
+                <a:solidFill>
+                  <a:srgbClr val="000000"/>
+                </a:solidFill>
+                <a:latin typeface="Calibri"/>
+              </a:rPr>
+              <a:t>return a*a;  </a:t>
+            </a:r>
+            <a:endParaRPr/>
+          </a:p>
+          <a:p>
+            <a:pPr>
+              <a:lnSpc>
+                <a:spcPct val="100000"/>
+              </a:lnSpc>
+            </a:pPr>
+            <a:r>
+              <a:rPr lang="en-US" sz="2600">
+                <a:solidFill>
+                  <a:srgbClr val="000000"/>
+                </a:solidFill>
+                <a:latin typeface="Calibri"/>
+              </a:rPr>
+              <a:t>} </a:t>
+            </a:r>
+            <a:endParaRPr/>
+          </a:p>
+          <a:p>
+            <a:pPr>
+              <a:lnSpc>
+                <a:spcPct val="100000"/>
+              </a:lnSpc>
+            </a:pPr>
+            <a:endParaRPr/>
+          </a:p>
+          <a:p>
+            <a:pPr>
+              <a:lnSpc>
+                <a:spcPct val="100000"/>
+              </a:lnSpc>
+            </a:pPr>
+            <a:r>
+              <a:rPr lang="en-US" sz="2600">
+                <a:solidFill>
+                  <a:srgbClr val="000000"/>
+                </a:solidFill>
+                <a:latin typeface="Calibri"/>
+              </a:rPr>
+              <a:t>square(5)</a:t>
+            </a:r>
+            <a:endParaRPr/>
+          </a:p>
+          <a:p>
+            <a:pPr>
+              <a:lnSpc>
+                <a:spcPct val="100000"/>
+              </a:lnSpc>
+            </a:pPr>
+            <a:endParaRPr/>
+          </a:p>
+          <a:p>
+            <a:pPr>
+              <a:lnSpc>
+                <a:spcPct val="100000"/>
+              </a:lnSpc>
+            </a:pPr>
+            <a:r>
+              <a:rPr lang="en-US" sz="2600">
+                <a:solidFill>
+                  <a:srgbClr val="000000"/>
+                </a:solidFill>
+                <a:latin typeface="Calibri"/>
+              </a:rPr>
+              <a:t>if (a&lt;b) cout&lt;&lt; a;</a:t>
+            </a:r>
+            <a:endParaRPr/>
+          </a:p>
+          <a:p>
+            <a:pPr>
+              <a:lnSpc>
+                <a:spcPct val="100000"/>
+              </a:lnSpc>
+            </a:pPr>
+            <a:r>
+              <a:rPr lang="en-US" sz="2600">
+                <a:solidFill>
+                  <a:srgbClr val="000000"/>
+                </a:solidFill>
+                <a:latin typeface="Calibri"/>
+              </a:rPr>
+              <a:t>else     </a:t>
+            </a:r>
+            <a:r>
+              <a:rPr lang="en-US" sz="2600">
+                <a:solidFill>
+                  <a:srgbClr val="000000"/>
+                </a:solidFill>
+                <a:latin typeface="Calibri"/>
+              </a:rPr>
+              <a:t>	</a:t>
+            </a:r>
+            <a:r>
+              <a:rPr lang="en-US" sz="2600">
+                <a:solidFill>
+                  <a:srgbClr val="000000"/>
+                </a:solidFill>
+                <a:latin typeface="Calibri"/>
+              </a:rPr>
+              <a:t>cout&lt;&lt; b; </a:t>
+            </a:r>
+            <a:endParaRPr/>
+          </a:p>
+          <a:p>
+            <a:pPr>
+              <a:lnSpc>
+                <a:spcPct val="100000"/>
+              </a:lnSpc>
+            </a:pPr>
             <a:endParaRPr/>
           </a:p>
         </p:txBody>
@@ -4111,7 +4112,7 @@
   <p:timing>
     <p:tnLst>
       <p:par>
-        <p:cTn dur="indefinite" id="9" nodeType="tmRoot" restart="never">
+        <p:cTn id="9" dur="indefinite" restart="never" nodeType="tmRoot">
           <p:childTnLst>
             <p:seq>
               <p:cTn id="10" nodeType="mainSeq"/>
@@ -4164,7 +4165,7 @@
         <p:spPr>
           <a:xfrm>
             <a:off x="457200" y="274680"/>
-            <a:ext cx="8228520" cy="1141920"/>
+            <a:ext cx="8228160" cy="1141560"/>
           </a:xfrm>
           <a:prstGeom prst="rect">
             <a:avLst/>
@@ -4175,7 +4176,7 @@
           </a:ln>
         </p:spPr>
         <p:txBody>
-          <a:bodyPr anchor="ctr" bIns="45000" lIns="90000" rIns="90000" tIns="45000"/>
+          <a:bodyPr lIns="90000" rIns="90000" tIns="45000" bIns="45000" anchor="ctr"/>
           <a:p>
             <a:pPr algn="ctr">
               <a:lnSpc>
@@ -4204,7 +4205,7 @@
         <p:spPr>
           <a:xfrm>
             <a:off x="457200" y="1600200"/>
-            <a:ext cx="8228520" cy="4524840"/>
+            <a:ext cx="8228160" cy="4524480"/>
           </a:xfrm>
           <a:prstGeom prst="rect">
             <a:avLst/>
@@ -4215,7 +4216,7 @@
           </a:ln>
         </p:spPr>
         <p:txBody>
-          <a:bodyPr bIns="45000" lIns="90000" rIns="90000" tIns="45000"/>
+          <a:bodyPr lIns="90000" rIns="90000" tIns="45000" bIns="45000"/>
           <a:p>
             <a:pPr>
               <a:lnSpc>
@@ -4307,7 +4308,7 @@
   <p:timing>
     <p:tnLst>
       <p:par>
-        <p:cTn dur="indefinite" id="11" nodeType="tmRoot" restart="never">
+        <p:cTn id="11" dur="indefinite" restart="never" nodeType="tmRoot">
           <p:childTnLst>
             <p:seq>
               <p:cTn id="12" nodeType="mainSeq"/>
@@ -4360,7 +4361,7 @@
         <p:spPr>
           <a:xfrm>
             <a:off x="457200" y="274680"/>
-            <a:ext cx="8228520" cy="1141920"/>
+            <a:ext cx="8228160" cy="1141560"/>
           </a:xfrm>
           <a:prstGeom prst="rect">
             <a:avLst/>
@@ -4371,7 +4372,7 @@
           </a:ln>
         </p:spPr>
         <p:txBody>
-          <a:bodyPr anchor="ctr" bIns="45000" lIns="90000" rIns="90000" tIns="45000"/>
+          <a:bodyPr lIns="90000" rIns="90000" tIns="45000" bIns="45000" anchor="ctr"/>
           <a:p>
             <a:pPr algn="ctr">
               <a:lnSpc>
@@ -4400,7 +4401,7 @@
         <p:spPr>
           <a:xfrm>
             <a:off x="457200" y="1600200"/>
-            <a:ext cx="8228520" cy="4524840"/>
+            <a:ext cx="8228160" cy="4524480"/>
           </a:xfrm>
           <a:prstGeom prst="rect">
             <a:avLst/>
@@ -4411,7 +4412,7 @@
           </a:ln>
         </p:spPr>
         <p:txBody>
-          <a:bodyPr bIns="45000" lIns="90000" rIns="90000" tIns="45000"/>
+          <a:bodyPr lIns="90000" rIns="90000" tIns="45000" bIns="45000"/>
           <a:p>
             <a:pPr>
               <a:lnSpc>
@@ -4512,7 +4513,7 @@
   <p:timing>
     <p:tnLst>
       <p:par>
-        <p:cTn dur="indefinite" id="13" nodeType="tmRoot" restart="never">
+        <p:cTn id="13" dur="indefinite" restart="never" nodeType="tmRoot">
           <p:childTnLst>
             <p:seq>
               <p:cTn id="14" nodeType="mainSeq"/>
@@ -4565,7 +4566,7 @@
         <p:spPr>
           <a:xfrm>
             <a:off x="457200" y="274680"/>
-            <a:ext cx="8228520" cy="1141920"/>
+            <a:ext cx="8228160" cy="1141560"/>
           </a:xfrm>
           <a:prstGeom prst="rect">
             <a:avLst/>
@@ -4576,7 +4577,7 @@
           </a:ln>
         </p:spPr>
         <p:txBody>
-          <a:bodyPr anchor="ctr" bIns="45000" lIns="90000" rIns="90000" tIns="45000"/>
+          <a:bodyPr lIns="90000" rIns="90000" tIns="45000" bIns="45000" anchor="ctr"/>
           <a:p>
             <a:pPr algn="ctr">
               <a:lnSpc>
@@ -4598,7 +4599,7 @@
       </p:sp>
       <p:pic>
         <p:nvPicPr>
-          <p:cNvPr descr="" id="89" name=""/>
+          <p:cNvPr id="89" name="" descr=""/>
           <p:cNvPicPr/>
           <p:nvPr/>
         </p:nvPicPr>
@@ -4611,7 +4612,7 @@
         <p:spPr>
           <a:xfrm>
             <a:off x="2651760" y="2377440"/>
-            <a:ext cx="3749040" cy="3840480"/>
+            <a:ext cx="3748680" cy="3840120"/>
           </a:xfrm>
           <a:prstGeom prst="rect">
             <a:avLst/>
@@ -4623,21 +4624,25 @@
       </p:pic>
       <p:sp>
         <p:nvSpPr>
-          <p:cNvPr id="90" name="TextShape 2"/>
-          <p:cNvSpPr txBox="1"/>
+          <p:cNvPr id="90" name="CustomShape 2"/>
+          <p:cNvSpPr/>
           <p:nvPr/>
         </p:nvSpPr>
         <p:spPr>
           <a:xfrm>
             <a:off x="640080" y="1855080"/>
-            <a:ext cx="3420720" cy="979560"/>
-          </a:xfrm>
-          <a:prstGeom prst="rect">
-            <a:avLst/>
-          </a:prstGeom>
-        </p:spPr>
-        <p:txBody>
-          <a:bodyPr bIns="45000" lIns="90000" rIns="90000" tIns="45000" wrap="none"/>
+            <a:ext cx="3420360" cy="979200"/>
+          </a:xfrm>
+          <a:prstGeom prst="rect">
+            <a:avLst/>
+          </a:prstGeom>
+          <a:noFill/>
+          <a:ln>
+            <a:noFill/>
+          </a:ln>
+        </p:spPr>
+        <p:txBody>
+          <a:bodyPr wrap="none" lIns="90000" rIns="90000" tIns="45000" bIns="45000"/>
           <a:p>
             <a:pPr>
               <a:lnSpc>
@@ -4662,7 +4667,7 @@
   <p:timing>
     <p:tnLst>
       <p:par>
-        <p:cTn dur="indefinite" id="15" nodeType="tmRoot" restart="never">
+        <p:cTn id="15" dur="indefinite" restart="never" nodeType="tmRoot">
           <p:childTnLst>
             <p:seq>
               <p:cTn id="16" nodeType="mainSeq"/>
@@ -4715,7 +4720,7 @@
         <p:spPr>
           <a:xfrm>
             <a:off x="457200" y="274680"/>
-            <a:ext cx="8228520" cy="1141920"/>
+            <a:ext cx="8228160" cy="1141560"/>
           </a:xfrm>
           <a:prstGeom prst="rect">
             <a:avLst/>
@@ -4726,7 +4731,7 @@
           </a:ln>
         </p:spPr>
         <p:txBody>
-          <a:bodyPr anchor="ctr" bIns="45000" lIns="90000" rIns="90000" tIns="45000"/>
+          <a:bodyPr lIns="90000" rIns="90000" tIns="45000" bIns="45000" anchor="ctr"/>
           <a:p>
             <a:pPr algn="ctr">
               <a:lnSpc>
@@ -4755,7 +4760,7 @@
         <p:spPr>
           <a:xfrm>
             <a:off x="457200" y="1600200"/>
-            <a:ext cx="8228520" cy="4524840"/>
+            <a:ext cx="8228160" cy="4524480"/>
           </a:xfrm>
           <a:prstGeom prst="rect">
             <a:avLst/>
@@ -4771,7 +4776,7 @@
   <p:timing>
     <p:tnLst>
       <p:par>
-        <p:cTn dur="indefinite" id="17" nodeType="tmRoot" restart="never">
+        <p:cTn id="17" dur="indefinite" restart="never" nodeType="tmRoot">
           <p:childTnLst>
             <p:seq>
               <p:cTn id="18" nodeType="mainSeq"/>

--- a/Scheme_Interpreter_2.pptx
+++ b/Scheme_Interpreter_2.pptx
@@ -2727,7 +2727,7 @@
         <p:spPr>
           <a:xfrm>
             <a:off x="683640" y="476640"/>
-            <a:ext cx="7770960" cy="1468440"/>
+            <a:ext cx="7770600" cy="1468080"/>
           </a:xfrm>
           <a:prstGeom prst="rect">
             <a:avLst/>
@@ -2767,7 +2767,7 @@
         <p:spPr>
           <a:xfrm>
             <a:off x="1403640" y="1772640"/>
-            <a:ext cx="6399360" cy="1751040"/>
+            <a:ext cx="6399000" cy="1750680"/>
           </a:xfrm>
           <a:prstGeom prst="rect">
             <a:avLst/>
@@ -2813,7 +2813,7 @@
         <p:spPr>
           <a:xfrm>
             <a:off x="3204000" y="3357000"/>
-            <a:ext cx="2856240" cy="2856240"/>
+            <a:ext cx="2855880" cy="2855880"/>
           </a:xfrm>
           <a:prstGeom prst="rect">
             <a:avLst/>
@@ -2881,7 +2881,7 @@
         <p:spPr>
           <a:xfrm>
             <a:off x="457200" y="274680"/>
-            <a:ext cx="8228160" cy="1141560"/>
+            <a:ext cx="8227800" cy="1141200"/>
           </a:xfrm>
           <a:prstGeom prst="rect">
             <a:avLst/>
@@ -2921,7 +2921,7 @@
         <p:spPr>
           <a:xfrm>
             <a:off x="457200" y="1600200"/>
-            <a:ext cx="8228160" cy="4524480"/>
+            <a:ext cx="8227800" cy="4524120"/>
           </a:xfrm>
           <a:prstGeom prst="rect">
             <a:avLst/>
@@ -3026,6 +3026,16 @@
               </a:rPr>
               <a:t>…</a:t>
             </a:r>
+            <a:endParaRPr/>
+          </a:p>
+          <a:p>
+            <a:pPr lvl="1">
+              <a:lnSpc>
+                <a:spcPct val="100000"/>
+              </a:lnSpc>
+              <a:buFont typeface="Arial"/>
+              <a:buChar char="–"/>
+            </a:pPr>
             <a:endParaRPr/>
           </a:p>
           <a:p>
@@ -3153,7 +3163,7 @@
         <p:spPr>
           <a:xfrm>
             <a:off x="457200" y="274680"/>
-            <a:ext cx="8228160" cy="1141560"/>
+            <a:ext cx="8227800" cy="1141200"/>
           </a:xfrm>
           <a:prstGeom prst="rect">
             <a:avLst/>
@@ -3193,7 +3203,7 @@
         <p:spPr>
           <a:xfrm>
             <a:off x="457200" y="1600200"/>
-            <a:ext cx="8228160" cy="4524480"/>
+            <a:ext cx="8227800" cy="4524120"/>
           </a:xfrm>
           <a:prstGeom prst="rect">
             <a:avLst/>
@@ -3298,6 +3308,16 @@
               </a:rPr>
               <a:t>Squareroot</a:t>
             </a:r>
+            <a:endParaRPr/>
+          </a:p>
+          <a:p>
+            <a:pPr lvl="1">
+              <a:lnSpc>
+                <a:spcPct val="100000"/>
+              </a:lnSpc>
+              <a:buFont typeface="Arial"/>
+              <a:buChar char="–"/>
+            </a:pPr>
             <a:endParaRPr/>
           </a:p>
           <a:p>
@@ -3379,7 +3399,7 @@
         <p:spPr>
           <a:xfrm>
             <a:off x="457200" y="274680"/>
-            <a:ext cx="8228160" cy="1141560"/>
+            <a:ext cx="8227800" cy="1141200"/>
           </a:xfrm>
           <a:prstGeom prst="rect">
             <a:avLst/>
@@ -3419,7 +3439,7 @@
         <p:spPr>
           <a:xfrm>
             <a:off x="457200" y="1600200"/>
-            <a:ext cx="8228160" cy="4524480"/>
+            <a:ext cx="8227800" cy="4524120"/>
           </a:xfrm>
           <a:prstGeom prst="rect">
             <a:avLst/>
@@ -3605,7 +3625,7 @@
         <p:spPr>
           <a:xfrm>
             <a:off x="2286000" y="480240"/>
-            <a:ext cx="4611960" cy="742320"/>
+            <a:ext cx="4611600" cy="741960"/>
           </a:xfrm>
           <a:prstGeom prst="rect">
             <a:avLst/>
@@ -3645,7 +3665,7 @@
         <p:spPr>
           <a:xfrm>
             <a:off x="432000" y="1371600"/>
-            <a:ext cx="3773520" cy="5294880"/>
+            <a:ext cx="3773160" cy="5294520"/>
           </a:xfrm>
           <a:prstGeom prst="rect">
             <a:avLst/>
@@ -3897,8 +3917,8 @@
         </p:nvSpPr>
         <p:spPr>
           <a:xfrm>
-            <a:off x="4023360" y="1371600"/>
-            <a:ext cx="3382560" cy="5026680"/>
+            <a:off x="4938840" y="1374480"/>
+            <a:ext cx="3382200" cy="5026320"/>
           </a:xfrm>
           <a:prstGeom prst="rect">
             <a:avLst/>
@@ -4165,7 +4185,7 @@
         <p:spPr>
           <a:xfrm>
             <a:off x="457200" y="274680"/>
-            <a:ext cx="8228160" cy="1141560"/>
+            <a:ext cx="8227800" cy="1141200"/>
           </a:xfrm>
           <a:prstGeom prst="rect">
             <a:avLst/>
@@ -4205,7 +4225,7 @@
         <p:spPr>
           <a:xfrm>
             <a:off x="457200" y="1600200"/>
-            <a:ext cx="8228160" cy="4524480"/>
+            <a:ext cx="8227800" cy="4524120"/>
           </a:xfrm>
           <a:prstGeom prst="rect">
             <a:avLst/>
@@ -4244,15 +4264,6 @@
               <a:buFont typeface="Arial"/>
               <a:buChar char="•"/>
             </a:pPr>
-            <a:r>
-              <a:rPr lang="en-US" sz="3200">
-                <a:solidFill>
-                  <a:srgbClr val="000000"/>
-                </a:solidFill>
-                <a:latin typeface="Calibri"/>
-              </a:rPr>
-              <a:t>Eerst omzetten naar lijst van tokens </a:t>
-            </a:r>
             <a:endParaRPr/>
           </a:p>
           <a:p>
@@ -4270,7 +4281,7 @@
                 </a:solidFill>
                 <a:latin typeface="Calibri"/>
               </a:rPr>
-              <a:t>Voorbeeld: </a:t>
+              <a:t>Eerst omzetten naar lijst van tokens</a:t>
             </a:r>
             <a:endParaRPr/>
           </a:p>
@@ -4289,7 +4300,46 @@
                 </a:solidFill>
                 <a:latin typeface="Calibri"/>
               </a:rPr>
-              <a:t>(square 5) → [ '(' , 'square' , '5' ] </a:t>
+              <a:t> </a:t>
+            </a:r>
+            <a:endParaRPr/>
+          </a:p>
+          <a:p>
+            <a:pPr>
+              <a:lnSpc>
+                <a:spcPct val="100000"/>
+              </a:lnSpc>
+              <a:buFont typeface="Arial"/>
+              <a:buChar char="•"/>
+            </a:pPr>
+            <a:r>
+              <a:rPr lang="en-US" sz="3200">
+                <a:solidFill>
+                  <a:srgbClr val="000000"/>
+                </a:solidFill>
+                <a:latin typeface="Calibri"/>
+              </a:rPr>
+              <a:t>Voorbeeld: </a:t>
+            </a:r>
+            <a:endParaRPr/>
+          </a:p>
+          <a:p>
+            <a:pPr lvl="1" algn="ctr">
+              <a:lnSpc>
+                <a:spcPct val="100000"/>
+              </a:lnSpc>
+              <a:buSzPct val="25000"/>
+              <a:buFont typeface="StarSymbol"/>
+              <a:buChar char=""/>
+            </a:pPr>
+            <a:r>
+              <a:rPr lang="en-US" sz="3200">
+                <a:solidFill>
+                  <a:srgbClr val="000000"/>
+                </a:solidFill>
+                <a:latin typeface="Calibri"/>
+              </a:rPr>
+              <a:t>(square 5) → [ ( , square , 5, ) ] </a:t>
             </a:r>
             <a:endParaRPr/>
           </a:p>
@@ -4361,7 +4411,7 @@
         <p:spPr>
           <a:xfrm>
             <a:off x="457200" y="274680"/>
-            <a:ext cx="8228160" cy="1141560"/>
+            <a:ext cx="8227800" cy="1141200"/>
           </a:xfrm>
           <a:prstGeom prst="rect">
             <a:avLst/>
@@ -4401,7 +4451,7 @@
         <p:spPr>
           <a:xfrm>
             <a:off x="457200" y="1600200"/>
-            <a:ext cx="8228160" cy="4524480"/>
+            <a:ext cx="8227800" cy="4524120"/>
           </a:xfrm>
           <a:prstGeom prst="rect">
             <a:avLst/>
@@ -4490,7 +4540,7 @@
             <a:endParaRPr/>
           </a:p>
           <a:p>
-            <a:pPr>
+            <a:pPr algn="ctr">
               <a:lnSpc>
                 <a:spcPct val="100000"/>
               </a:lnSpc>
@@ -4566,7 +4616,7 @@
         <p:spPr>
           <a:xfrm>
             <a:off x="457200" y="274680"/>
-            <a:ext cx="8228160" cy="1141560"/>
+            <a:ext cx="8227800" cy="1141200"/>
           </a:xfrm>
           <a:prstGeom prst="rect">
             <a:avLst/>
@@ -4612,7 +4662,7 @@
         <p:spPr>
           <a:xfrm>
             <a:off x="2651760" y="2377440"/>
-            <a:ext cx="3748680" cy="3840120"/>
+            <a:ext cx="3748320" cy="3839760"/>
           </a:xfrm>
           <a:prstGeom prst="rect">
             <a:avLst/>
@@ -4631,7 +4681,7 @@
         <p:spPr>
           <a:xfrm>
             <a:off x="640080" y="1855080"/>
-            <a:ext cx="3420360" cy="979200"/>
+            <a:ext cx="3420000" cy="978840"/>
           </a:xfrm>
           <a:prstGeom prst="rect">
             <a:avLst/>
@@ -4720,7 +4770,7 @@
         <p:spPr>
           <a:xfrm>
             <a:off x="457200" y="274680"/>
-            <a:ext cx="8228160" cy="1141560"/>
+            <a:ext cx="8227800" cy="1141200"/>
           </a:xfrm>
           <a:prstGeom prst="rect">
             <a:avLst/>
@@ -4760,7 +4810,7 @@
         <p:spPr>
           <a:xfrm>
             <a:off x="457200" y="1600200"/>
-            <a:ext cx="8228160" cy="4524480"/>
+            <a:ext cx="8227800" cy="4524120"/>
           </a:xfrm>
           <a:prstGeom prst="rect">
             <a:avLst/>
